--- a/Adventure.pptx
+++ b/Adventure.pptx
@@ -1105,8 +1105,13 @@
           </a:pPr>
           <a:r>
             <a:rPr lang="en-US" dirty="0"/>
-            <a:t>Cleaning and filter data mainly in the process of prepare CSV’s</a:t>
+            <a:t>Cleaning and filter data mainly in the process of prepare CSV’s in </a:t>
           </a:r>
+          <a:r>
+            <a:rPr lang="en-US" dirty="0" err="1"/>
+            <a:t>EXCel</a:t>
+          </a:r>
+          <a:endParaRPr lang="en-US" dirty="0"/>
         </a:p>
       </dgm:t>
     </dgm:pt>
@@ -1457,8 +1462,13 @@
           </a:pPr>
           <a:r>
             <a:rPr lang="en-US" sz="2500" kern="1200" dirty="0"/>
-            <a:t>Cleaning and filter data mainly in the process of prepare CSV’s</a:t>
+            <a:t>Cleaning and filter data mainly in the process of prepare CSV’s in </a:t>
           </a:r>
+          <a:r>
+            <a:rPr lang="en-US" sz="2500" kern="1200" dirty="0" err="1"/>
+            <a:t>EXCel</a:t>
+          </a:r>
+          <a:endParaRPr lang="en-US" sz="2500" kern="1200" dirty="0"/>
         </a:p>
       </dsp:txBody>
       <dsp:txXfrm>
@@ -9026,7 +9036,7 @@
             <p:ph idx="1"/>
             <p:extLst>
               <p:ext uri="{D42A27DB-BD31-4B8C-83A1-F6EECF244321}">
-                <p14:modId xmlns:p14="http://schemas.microsoft.com/office/powerpoint/2010/main" val="890212067"/>
+                <p14:modId xmlns:p14="http://schemas.microsoft.com/office/powerpoint/2010/main" val="219467229"/>
               </p:ext>
             </p:extLst>
           </p:nvPr>
@@ -9480,48 +9490,45 @@
           <a:chExt cx="0" cy="0"/>
         </a:xfrm>
       </p:grpSpPr>
-      <p:pic>
-        <p:nvPicPr>
-          <p:cNvPr id="3" name="Picture 2" descr="Happy woman in rain">
+      <p:sp>
+        <p:nvSpPr>
+          <p:cNvPr id="2" name="Title 1">
             <a:extLst>
               <a:ext uri="{FF2B5EF4-FFF2-40B4-BE49-F238E27FC236}">
-                <a16:creationId xmlns:a16="http://schemas.microsoft.com/office/drawing/2014/main" id="{11049E4F-6A3C-4C9B-8E7B-A988EDE02B20}"/>
+                <a16:creationId xmlns:a16="http://schemas.microsoft.com/office/drawing/2014/main" id="{178C0FA6-EBAD-4CF0-A3B1-D4CE89F65FC4}"/>
               </a:ext>
             </a:extLst>
           </p:cNvPr>
-          <p:cNvPicPr>
-            <a:picLocks noChangeAspect="1"/>
-          </p:cNvPicPr>
-          <p:nvPr/>
-        </p:nvPicPr>
-        <p:blipFill>
-          <a:blip r:embed="rId2">
-            <a:extLst>
-              <a:ext uri="{28A0092B-C50C-407E-A947-70E740481C1C}">
-                <a14:useLocalDpi xmlns:a14="http://schemas.microsoft.com/office/drawing/2010/main" val="0"/>
-              </a:ext>
-            </a:extLst>
-          </a:blip>
-          <a:stretch>
-            <a:fillRect/>
-          </a:stretch>
-        </p:blipFill>
+          <p:cNvSpPr>
+            <a:spLocks noGrp="1"/>
+          </p:cNvSpPr>
+          <p:nvPr>
+            <p:ph type="title"/>
+          </p:nvPr>
+        </p:nvSpPr>
         <p:spPr>
           <a:xfrm>
-            <a:off x="0" y="0"/>
-            <a:ext cx="12192000" cy="6858000"/>
+            <a:off x="913795" y="609600"/>
+            <a:ext cx="10353762" cy="848139"/>
           </a:xfrm>
-          <a:prstGeom prst="rect">
-            <a:avLst/>
-          </a:prstGeom>
         </p:spPr>
-      </p:pic>
-      <p:sp>
-        <p:nvSpPr>
-          <p:cNvPr id="4" name="TextBox 3">
+        <p:txBody>
+          <a:bodyPr/>
+          <a:lstStyle/>
+          <a:p>
+            <a:r>
+              <a:rPr lang="en-AU" b="1" dirty="0"/>
+              <a:t>Conclusions</a:t>
+            </a:r>
+          </a:p>
+        </p:txBody>
+      </p:sp>
+      <p:sp>
+        <p:nvSpPr>
+          <p:cNvPr id="3" name="TextBox 2">
             <a:extLst>
               <a:ext uri="{FF2B5EF4-FFF2-40B4-BE49-F238E27FC236}">
-                <a16:creationId xmlns:a16="http://schemas.microsoft.com/office/drawing/2014/main" id="{1C19636E-A79E-4397-B4B3-363725367101}"/>
+                <a16:creationId xmlns:a16="http://schemas.microsoft.com/office/drawing/2014/main" id="{2A73937A-6ABB-432E-A989-0FB9CBFAD5D5}"/>
               </a:ext>
             </a:extLst>
           </p:cNvPr>
@@ -9530,8 +9537,8 @@
         </p:nvSpPr>
         <p:spPr>
           <a:xfrm>
-            <a:off x="6096000" y="844062"/>
-            <a:ext cx="4598504" cy="1569660"/>
+            <a:off x="1179443" y="1866900"/>
+            <a:ext cx="10098762" cy="4801314"/>
           </a:xfrm>
           <a:prstGeom prst="rect">
             <a:avLst/>
@@ -9545,23 +9552,151 @@
           <a:lstStyle/>
           <a:p>
             <a:r>
-              <a:rPr lang="en-AU" sz="4800" b="1" dirty="0">
-                <a:solidFill>
-                  <a:schemeClr val="bg1"/>
-                </a:solidFill>
+              <a:rPr lang="en-AU" dirty="0">
                 <a:highlight>
-                  <a:srgbClr val="FFFF00"/>
+                  <a:srgbClr val="0000FF"/>
                 </a:highlight>
               </a:rPr>
-              <a:t>Our analysis and conclusions</a:t>
-            </a:r>
+              <a:t>For population vs employment over states – </a:t>
+            </a:r>
+          </a:p>
+          <a:p>
+            <a:endParaRPr lang="en-AU" dirty="0">
+              <a:highlight>
+                <a:srgbClr val="0000FF"/>
+              </a:highlight>
+            </a:endParaRPr>
+          </a:p>
+          <a:p>
+            <a:pPr marL="342900" lvl="0" indent="-342900">
+              <a:buAutoNum type="arabicPeriod"/>
+            </a:pPr>
+            <a:r>
+              <a:rPr lang="en-AU" dirty="0">
+                <a:highlight>
+                  <a:srgbClr val="0000FF"/>
+                </a:highlight>
+              </a:rPr>
+              <a:t>National and every states/territories population average yearly positive increasing, with national level at 	1.25%, max Vic at 1.74%, and min Tas at 0.27%.</a:t>
+            </a:r>
+          </a:p>
+          <a:p>
+            <a:pPr marL="342900" lvl="0" indent="-342900">
+              <a:buAutoNum type="arabicPeriod"/>
+            </a:pPr>
+            <a:endParaRPr lang="en-AU" dirty="0">
+              <a:highlight>
+                <a:srgbClr val="0000FF"/>
+              </a:highlight>
+            </a:endParaRPr>
+          </a:p>
+          <a:p>
+            <a:pPr lvl="0"/>
+            <a:r>
+              <a:rPr lang="en-AU" dirty="0">
+                <a:highlight>
+                  <a:srgbClr val="0000FF"/>
+                </a:highlight>
+              </a:rPr>
+              <a:t>2.  Employment increasing every year in the whole country, the national level at 0.9%, max Vic at 	about   	1.4%, min SA at 0.04%.</a:t>
+            </a:r>
+          </a:p>
+          <a:p>
+            <a:pPr lvl="0"/>
+            <a:endParaRPr lang="en-AU" dirty="0">
+              <a:highlight>
+                <a:srgbClr val="0000FF"/>
+              </a:highlight>
+            </a:endParaRPr>
+          </a:p>
+          <a:p>
+            <a:pPr lvl="0"/>
+            <a:r>
+              <a:rPr lang="en-AU" dirty="0">
+                <a:highlight>
+                  <a:srgbClr val="0000FF"/>
+                </a:highlight>
+              </a:rPr>
+              <a:t>3.  From population vs employment correlation coefficient point of view, every states shown a very strong 	correlation effect (</a:t>
+            </a:r>
+            <a:r>
+              <a:rPr lang="en-AU" dirty="0" err="1">
+                <a:highlight>
+                  <a:srgbClr val="0000FF"/>
+                </a:highlight>
+              </a:rPr>
+              <a:t>corr</a:t>
+            </a:r>
+            <a:r>
+              <a:rPr lang="en-AU" dirty="0">
+                <a:highlight>
+                  <a:srgbClr val="0000FF"/>
+                </a:highlight>
+              </a:rPr>
+              <a:t> = 0.8 - 0.99), except WA and NT with coefficient values at 0.55 and 0.65 	respectively.</a:t>
+            </a:r>
+          </a:p>
+          <a:p>
+            <a:pPr lvl="0"/>
+            <a:endParaRPr lang="en-AU" dirty="0">
+              <a:highlight>
+                <a:srgbClr val="0000FF"/>
+              </a:highlight>
+            </a:endParaRPr>
+          </a:p>
+          <a:p>
+            <a:pPr marL="342900" lvl="0" indent="-342900">
+              <a:buAutoNum type="arabicPeriod" startAt="4"/>
+            </a:pPr>
+            <a:r>
+              <a:rPr lang="en-AU" dirty="0">
+                <a:highlight>
+                  <a:srgbClr val="0000FF"/>
+                </a:highlight>
+              </a:rPr>
+              <a:t>Contrary to any other state, TAS’s average employment change rate 50% higher than its population 	increase rate, means where easy to find job? </a:t>
+            </a:r>
+          </a:p>
+          <a:p>
+            <a:pPr marL="342900" lvl="0" indent="-342900">
+              <a:buAutoNum type="arabicPeriod" startAt="4"/>
+            </a:pPr>
+            <a:endParaRPr lang="en-AU" dirty="0">
+              <a:highlight>
+                <a:srgbClr val="0000FF"/>
+              </a:highlight>
+            </a:endParaRPr>
+          </a:p>
+          <a:p>
+            <a:pPr marL="342900" indent="-342900">
+              <a:buFontTx/>
+              <a:buAutoNum type="arabicPeriod" startAt="4"/>
+            </a:pPr>
+            <a:r>
+              <a:rPr lang="en-AU" dirty="0">
+                <a:highlight>
+                  <a:srgbClr val="0000FF"/>
+                </a:highlight>
+              </a:rPr>
+              <a:t>Within the whole country, population yearly average increase rate overpass that of employment.</a:t>
+            </a:r>
+          </a:p>
+          <a:p>
+            <a:pPr marL="342900" lvl="0" indent="-342900">
+              <a:buAutoNum type="arabicPeriod" startAt="4"/>
+            </a:pPr>
+            <a:endParaRPr lang="en-AU" dirty="0">
+              <a:highlight>
+                <a:srgbClr val="0000FF"/>
+              </a:highlight>
+            </a:endParaRPr>
           </a:p>
         </p:txBody>
       </p:sp>
     </p:spTree>
     <p:extLst>
       <p:ext uri="{BB962C8B-B14F-4D97-AF65-F5344CB8AC3E}">
-        <p14:creationId xmlns:p14="http://schemas.microsoft.com/office/powerpoint/2010/main" val="1715788055"/>
+        <p14:creationId xmlns:p14="http://schemas.microsoft.com/office/powerpoint/2010/main" val="289799926"/>
       </p:ext>
     </p:extLst>
   </p:cSld>

--- a/Adventure.pptx
+++ b/Adventure.pptx
@@ -9,8 +9,17 @@
     <p:sldId id="258" r:id="rId3"/>
     <p:sldId id="260" r:id="rId4"/>
     <p:sldId id="262" r:id="rId5"/>
-    <p:sldId id="263" r:id="rId6"/>
-    <p:sldId id="261" r:id="rId7"/>
+    <p:sldId id="273" r:id="rId6"/>
+    <p:sldId id="271" r:id="rId7"/>
+    <p:sldId id="272" r:id="rId8"/>
+    <p:sldId id="263" r:id="rId9"/>
+    <p:sldId id="265" r:id="rId10"/>
+    <p:sldId id="266" r:id="rId11"/>
+    <p:sldId id="267" r:id="rId12"/>
+    <p:sldId id="268" r:id="rId13"/>
+    <p:sldId id="269" r:id="rId14"/>
+    <p:sldId id="270" r:id="rId15"/>
+    <p:sldId id="261" r:id="rId16"/>
   </p:sldIdLst>
   <p:sldSz cx="12192000" cy="6858000"/>
   <p:notesSz cx="6858000" cy="9144000"/>
@@ -1062,7 +1071,7 @@
           </a:pPr>
           <a:r>
             <a:rPr lang="en-US" dirty="0"/>
-            <a:t>Queries about AUS population vs employment relationship and data availability from ABS.</a:t>
+            <a:t>Queries about AUS population vs employment/Unemployment relationship and data availability from ABS.</a:t>
           </a:r>
         </a:p>
       </dgm:t>
@@ -1112,6 +1121,19 @@
             <a:t>EXCel</a:t>
           </a:r>
           <a:endParaRPr lang="en-US" dirty="0"/>
+        </a:p>
+        <a:p>
+          <a:pPr>
+            <a:defRPr cap="all"/>
+          </a:pPr>
+          <a:r>
+            <a:rPr lang="en-US" dirty="0" err="1"/>
+            <a:t>Bigest</a:t>
+          </a:r>
+          <a:r>
+            <a:rPr lang="en-US" dirty="0"/>
+            <a:t> File Size reduced from 99M to several Ks.</a:t>
+          </a:r>
         </a:p>
       </dgm:t>
     </dgm:pt>
@@ -1304,7 +1326,7 @@
         </a:bodyPr>
         <a:lstStyle/>
         <a:p>
-          <a:pPr marL="0" lvl="0" indent="0" algn="l" defTabSz="1111250">
+          <a:pPr marL="0" lvl="0" indent="0" algn="l" defTabSz="889000">
             <a:lnSpc>
               <a:spcPct val="90000"/>
             </a:lnSpc>
@@ -1318,8 +1340,8 @@
             <a:defRPr cap="all"/>
           </a:pPr>
           <a:r>
-            <a:rPr lang="en-US" sz="2500" kern="1200" dirty="0"/>
-            <a:t>Queries about AUS population vs employment relationship and data availability from ABS.</a:t>
+            <a:rPr lang="en-US" sz="2000" kern="1200" dirty="0"/>
+            <a:t>Queries about AUS population vs employment/Unemployment relationship and data availability from ABS.</a:t>
           </a:r>
         </a:p>
       </dsp:txBody>
@@ -1447,7 +1469,7 @@
         </a:bodyPr>
         <a:lstStyle/>
         <a:p>
-          <a:pPr marL="0" lvl="0" indent="0" algn="l" defTabSz="1111250">
+          <a:pPr marL="0" lvl="0" indent="0" algn="l" defTabSz="889000">
             <a:lnSpc>
               <a:spcPct val="90000"/>
             </a:lnSpc>
@@ -1461,14 +1483,37 @@
             <a:defRPr cap="all"/>
           </a:pPr>
           <a:r>
-            <a:rPr lang="en-US" sz="2500" kern="1200" dirty="0"/>
+            <a:rPr lang="en-US" sz="2000" kern="1200" dirty="0"/>
             <a:t>Cleaning and filter data mainly in the process of prepare CSV’s in </a:t>
           </a:r>
           <a:r>
-            <a:rPr lang="en-US" sz="2500" kern="1200" dirty="0" err="1"/>
+            <a:rPr lang="en-US" sz="2000" kern="1200" dirty="0" err="1"/>
             <a:t>EXCel</a:t>
           </a:r>
-          <a:endParaRPr lang="en-US" sz="2500" kern="1200" dirty="0"/>
+          <a:endParaRPr lang="en-US" sz="2000" kern="1200" dirty="0"/>
+        </a:p>
+        <a:p>
+          <a:pPr marL="0" lvl="0" indent="0" algn="l" defTabSz="889000">
+            <a:lnSpc>
+              <a:spcPct val="90000"/>
+            </a:lnSpc>
+            <a:spcBef>
+              <a:spcPct val="0"/>
+            </a:spcBef>
+            <a:spcAft>
+              <a:spcPct val="35000"/>
+            </a:spcAft>
+            <a:buNone/>
+            <a:defRPr cap="all"/>
+          </a:pPr>
+          <a:r>
+            <a:rPr lang="en-US" sz="2000" kern="1200" dirty="0" err="1"/>
+            <a:t>Bigest</a:t>
+          </a:r>
+          <a:r>
+            <a:rPr lang="en-US" sz="2000" kern="1200" dirty="0"/>
+            <a:t> File Size reduced from 99M to several Ks.</a:t>
+          </a:r>
         </a:p>
       </dsp:txBody>
       <dsp:txXfrm>
@@ -3029,7 +3074,7 @@
           <a:p>
             <a:fld id="{88D38747-4367-4BD2-8D51-C97E202738E2}" type="datetime1">
               <a:rPr lang="en-US" smtClean="0"/>
-              <a:t>1/31/2021</a:t>
+              <a:t>2/4/2021</a:t>
             </a:fld>
             <a:endParaRPr lang="en-US" dirty="0"/>
           </a:p>
@@ -3334,7 +3379,7 @@
           <a:p>
             <a:fld id="{11F1B079-7EF0-44EE-B798-BCC497C9F3B2}" type="datetime1">
               <a:rPr lang="en-US" smtClean="0"/>
-              <a:t>1/31/2021</a:t>
+              <a:t>2/4/2021</a:t>
             </a:fld>
             <a:endParaRPr lang="en-US" dirty="0"/>
           </a:p>
@@ -3528,7 +3573,7 @@
           <a:p>
             <a:fld id="{28FF70A8-1D13-4657-95F0-A9EA54967B8D}" type="datetime1">
               <a:rPr lang="en-US" smtClean="0"/>
-              <a:t>1/31/2021</a:t>
+              <a:t>2/4/2021</a:t>
             </a:fld>
             <a:endParaRPr lang="en-US" dirty="0"/>
           </a:p>
@@ -3791,7 +3836,7 @@
           <a:p>
             <a:fld id="{21EB90AC-71BD-4C7F-8ACA-7B3F18292E63}" type="datetime1">
               <a:rPr lang="en-US" smtClean="0"/>
-              <a:t>1/31/2021</a:t>
+              <a:t>2/4/2021</a:t>
             </a:fld>
             <a:endParaRPr lang="en-US" dirty="0"/>
           </a:p>
@@ -4227,7 +4272,7 @@
           <a:p>
             <a:fld id="{4E6EFC2C-8905-46F0-B443-CE905B76BA01}" type="datetime1">
               <a:rPr lang="en-US" smtClean="0"/>
-              <a:t>1/31/2021</a:t>
+              <a:t>2/4/2021</a:t>
             </a:fld>
             <a:endParaRPr lang="en-US" dirty="0"/>
           </a:p>
@@ -4764,7 +4809,7 @@
           <a:p>
             <a:fld id="{D9079DC3-C9B5-499E-9140-0DC28B7074E2}" type="datetime1">
               <a:rPr lang="en-US" smtClean="0"/>
-              <a:t>1/31/2021</a:t>
+              <a:t>2/4/2021</a:t>
             </a:fld>
             <a:endParaRPr lang="en-US" dirty="0"/>
           </a:p>
@@ -5646,7 +5691,7 @@
           <a:p>
             <a:fld id="{30BB33EA-E472-4D22-9C03-A9C14AA21CED}" type="datetime1">
               <a:rPr lang="en-US" smtClean="0"/>
-              <a:t>1/31/2021</a:t>
+              <a:t>2/4/2021</a:t>
             </a:fld>
             <a:endParaRPr lang="en-US" dirty="0"/>
           </a:p>
@@ -5816,7 +5861,7 @@
           <a:p>
             <a:fld id="{217E833E-1B6D-415F-AD29-75AE8C43BD0D}" type="datetime1">
               <a:rPr lang="en-US" smtClean="0"/>
-              <a:t>1/31/2021</a:t>
+              <a:t>2/4/2021</a:t>
             </a:fld>
             <a:endParaRPr lang="en-US" dirty="0"/>
           </a:p>
@@ -6000,7 +6045,7 @@
           <a:p>
             <a:fld id="{8452596F-08A7-4B70-989A-F2B1CF31E66B}" type="datetime1">
               <a:rPr lang="en-US" smtClean="0"/>
-              <a:t>1/31/2021</a:t>
+              <a:t>2/4/2021</a:t>
             </a:fld>
             <a:endParaRPr lang="en-US" dirty="0"/>
           </a:p>
@@ -6170,7 +6215,7 @@
           <a:p>
             <a:fld id="{73C55A3C-5767-4844-A0A3-83778C2E5409}" type="datetime1">
               <a:rPr lang="en-US" smtClean="0"/>
-              <a:t>1/31/2021</a:t>
+              <a:t>2/4/2021</a:t>
             </a:fld>
             <a:endParaRPr lang="en-US" dirty="0"/>
           </a:p>
@@ -6414,7 +6459,7 @@
           <a:p>
             <a:fld id="{CAE507A8-A5CF-4D38-AB86-7EDDA87A85D4}" type="datetime1">
               <a:rPr lang="en-US" smtClean="0"/>
-              <a:t>1/31/2021</a:t>
+              <a:t>2/4/2021</a:t>
             </a:fld>
             <a:endParaRPr lang="en-US" dirty="0"/>
           </a:p>
@@ -6656,7 +6701,7 @@
           <a:p>
             <a:fld id="{BDFCD27C-8599-43EF-BA1D-14DDC1946E06}" type="datetime1">
               <a:rPr lang="en-US" smtClean="0"/>
-              <a:t>1/31/2021</a:t>
+              <a:t>2/4/2021</a:t>
             </a:fld>
             <a:endParaRPr lang="en-US" dirty="0"/>
           </a:p>
@@ -7139,7 +7184,7 @@
           <a:p>
             <a:fld id="{49343D99-809A-49C0-96E5-4250D0B498EE}" type="datetime1">
               <a:rPr lang="en-US" smtClean="0"/>
-              <a:t>1/31/2021</a:t>
+              <a:t>2/4/2021</a:t>
             </a:fld>
             <a:endParaRPr lang="en-US" dirty="0"/>
           </a:p>
@@ -7257,7 +7302,7 @@
           <a:p>
             <a:fld id="{A143DE9B-B678-4EFB-BB7D-A4370204A0B0}" type="datetime1">
               <a:rPr lang="en-US" smtClean="0"/>
-              <a:t>1/31/2021</a:t>
+              <a:t>2/4/2021</a:t>
             </a:fld>
             <a:endParaRPr lang="en-US" dirty="0"/>
           </a:p>
@@ -7352,7 +7397,7 @@
           <a:p>
             <a:fld id="{E68812DA-F765-4142-A6A3-A8ED7235E082}" type="datetime1">
               <a:rPr lang="en-US" smtClean="0"/>
-              <a:t>1/31/2021</a:t>
+              <a:t>2/4/2021</a:t>
             </a:fld>
             <a:endParaRPr lang="en-US" dirty="0"/>
           </a:p>
@@ -7607,7 +7652,7 @@
           <a:p>
             <a:fld id="{3E0277FD-7DE6-41D4-930D-AC99F5AFE54E}" type="datetime1">
               <a:rPr lang="en-US" smtClean="0"/>
-              <a:t>1/31/2021</a:t>
+              <a:t>2/4/2021</a:t>
             </a:fld>
             <a:endParaRPr lang="en-US" dirty="0"/>
           </a:p>
@@ -7914,7 +7959,7 @@
           <a:p>
             <a:fld id="{9EA15526-7079-4B7B-987C-1B5FAE11A0FF}" type="datetime1">
               <a:rPr lang="en-US" smtClean="0"/>
-              <a:t>1/31/2021</a:t>
+              <a:t>2/4/2021</a:t>
             </a:fld>
             <a:endParaRPr lang="en-US" dirty="0"/>
           </a:p>
@@ -8149,7 +8194,7 @@
           <a:p>
             <a:fld id="{073ED0CC-082F-4160-86E5-0D6041F12778}" type="datetime1">
               <a:rPr lang="en-US" smtClean="0"/>
-              <a:t>1/31/2021</a:t>
+              <a:t>2/4/2021</a:t>
             </a:fld>
             <a:endParaRPr lang="en-US" dirty="0"/>
           </a:p>
@@ -8949,122 +8994,7 @@
 </p:sld>
 </file>
 
-<file path=ppt/slides/slide2.xml><?xml version="1.0" encoding="utf-8"?>
-<p:sld xmlns:a="http://schemas.openxmlformats.org/drawingml/2006/main" xmlns:r="http://schemas.openxmlformats.org/officeDocument/2006/relationships" xmlns:p="http://schemas.openxmlformats.org/presentationml/2006/main">
-  <p:cSld>
-    <p:bg>
-      <p:bgPr>
-        <a:blipFill rotWithShape="1">
-          <a:blip r:embed="rId2">
-            <a:duotone>
-              <a:schemeClr val="bg1">
-                <a:shade val="80000"/>
-                <a:lumMod val="80000"/>
-              </a:schemeClr>
-              <a:schemeClr val="bg1">
-                <a:tint val="98000"/>
-              </a:schemeClr>
-            </a:duotone>
-          </a:blip>
-          <a:stretch/>
-        </a:blipFill>
-        <a:effectLst/>
-      </p:bgPr>
-    </p:bg>
-    <p:spTree>
-      <p:nvGrpSpPr>
-        <p:cNvPr id="1" name=""/>
-        <p:cNvGrpSpPr/>
-        <p:nvPr/>
-      </p:nvGrpSpPr>
-      <p:grpSpPr>
-        <a:xfrm>
-          <a:off x="0" y="0"/>
-          <a:ext cx="0" cy="0"/>
-          <a:chOff x="0" y="0"/>
-          <a:chExt cx="0" cy="0"/>
-        </a:xfrm>
-      </p:grpSpPr>
-      <p:sp>
-        <p:nvSpPr>
-          <p:cNvPr id="2" name="Title 1">
-            <a:extLst>
-              <a:ext uri="{FF2B5EF4-FFF2-40B4-BE49-F238E27FC236}">
-                <a16:creationId xmlns:a16="http://schemas.microsoft.com/office/drawing/2014/main" id="{9D6A748D-BEEC-43A4-BFF3-B31C0275A5D9}"/>
-              </a:ext>
-            </a:extLst>
-          </p:cNvPr>
-          <p:cNvSpPr>
-            <a:spLocks noGrp="1"/>
-          </p:cNvSpPr>
-          <p:nvPr>
-            <p:ph type="title"/>
-          </p:nvPr>
-        </p:nvSpPr>
-        <p:spPr>
-          <a:xfrm>
-            <a:off x="913795" y="609600"/>
-            <a:ext cx="10353762" cy="1257300"/>
-          </a:xfrm>
-        </p:spPr>
-        <p:txBody>
-          <a:bodyPr>
-            <a:normAutofit/>
-          </a:bodyPr>
-          <a:lstStyle/>
-          <a:p>
-            <a:r>
-              <a:rPr lang="en-US" dirty="0"/>
-              <a:t>Why &amp; How</a:t>
-            </a:r>
-          </a:p>
-        </p:txBody>
-      </p:sp>
-      <p:graphicFrame>
-        <p:nvGraphicFramePr>
-          <p:cNvPr id="4" name="Content Placeholder 2">
-            <a:extLst>
-              <a:ext uri="{FF2B5EF4-FFF2-40B4-BE49-F238E27FC236}">
-                <a16:creationId xmlns:a16="http://schemas.microsoft.com/office/drawing/2014/main" id="{AED04DAF-1E3F-4397-8834-E64118E9B2CD}"/>
-              </a:ext>
-            </a:extLst>
-          </p:cNvPr>
-          <p:cNvGraphicFramePr>
-            <a:graphicFrameLocks noGrp="1"/>
-          </p:cNvGraphicFramePr>
-          <p:nvPr>
-            <p:ph idx="1"/>
-            <p:extLst>
-              <p:ext uri="{D42A27DB-BD31-4B8C-83A1-F6EECF244321}">
-                <p14:modId xmlns:p14="http://schemas.microsoft.com/office/powerpoint/2010/main" val="219467229"/>
-              </p:ext>
-            </p:extLst>
-          </p:nvPr>
-        </p:nvGraphicFramePr>
-        <p:xfrm>
-          <a:off x="914400" y="2076450"/>
-          <a:ext cx="10353675" cy="3714750"/>
-        </p:xfrm>
-        <a:graphic>
-          <a:graphicData uri="http://schemas.openxmlformats.org/drawingml/2006/diagram">
-            <dgm:relIds xmlns:dgm="http://schemas.openxmlformats.org/drawingml/2006/diagram" xmlns:r="http://schemas.openxmlformats.org/officeDocument/2006/relationships" r:dm="rId3" r:lo="rId4" r:qs="rId5" r:cs="rId6"/>
-          </a:graphicData>
-        </a:graphic>
-      </p:graphicFrame>
-    </p:spTree>
-    <p:extLst>
-      <p:ext uri="{BB962C8B-B14F-4D97-AF65-F5344CB8AC3E}">
-        <p14:creationId xmlns:p14="http://schemas.microsoft.com/office/powerpoint/2010/main" val="2689089790"/>
-      </p:ext>
-    </p:extLst>
-  </p:cSld>
-  <p:clrMapOvr>
-    <a:masterClrMapping/>
-  </p:clrMapOvr>
-</p:sld>
-</file>
-
-<file path=ppt/slides/slide3.xml><?xml version="1.0" encoding="utf-8"?>
+<file path=ppt/slides/slide10.xml><?xml version="1.0" encoding="utf-8"?>
 <p:sld xmlns:a="http://schemas.openxmlformats.org/drawingml/2006/main" xmlns:r="http://schemas.openxmlformats.org/officeDocument/2006/relationships" xmlns:p="http://schemas.openxmlformats.org/presentationml/2006/main">
   <p:cSld>
     <p:spTree>
@@ -9081,222 +9011,40 @@
           <a:chExt cx="0" cy="0"/>
         </a:xfrm>
       </p:grpSpPr>
-      <p:sp>
-        <p:nvSpPr>
-          <p:cNvPr id="2" name="Title 1">
+      <p:pic>
+        <p:nvPicPr>
+          <p:cNvPr id="2" name="Picture 1">
             <a:extLst>
               <a:ext uri="{FF2B5EF4-FFF2-40B4-BE49-F238E27FC236}">
-                <a16:creationId xmlns:a16="http://schemas.microsoft.com/office/drawing/2014/main" id="{793AF057-1980-4942-9ADD-1D62C789DB9A}"/>
-              </a:ext>
-            </a:extLst>
-          </p:cNvPr>
-          <p:cNvSpPr>
-            <a:spLocks noGrp="1"/>
-          </p:cNvSpPr>
-          <p:nvPr>
-            <p:ph type="title"/>
-          </p:nvPr>
-        </p:nvSpPr>
-        <p:spPr/>
-        <p:txBody>
-          <a:bodyPr/>
-          <a:lstStyle/>
-          <a:p>
-            <a:r>
-              <a:rPr lang="en-AU" dirty="0"/>
-              <a:t>Scope &amp; Definition</a:t>
-            </a:r>
-          </a:p>
-        </p:txBody>
-      </p:sp>
-      <p:pic>
-        <p:nvPicPr>
-          <p:cNvPr id="6" name="Content Placeholder 5" descr="Close-up of water droplet on a leaf">
-            <a:extLst>
-              <a:ext uri="{FF2B5EF4-FFF2-40B4-BE49-F238E27FC236}">
-                <a16:creationId xmlns:a16="http://schemas.microsoft.com/office/drawing/2014/main" id="{984CA3B6-C2DB-43B2-BB5F-AC020104D5EE}"/>
+                <a16:creationId xmlns:a16="http://schemas.microsoft.com/office/drawing/2014/main" id="{150FA426-A388-4B55-990E-E9AFFFC8B71B}"/>
               </a:ext>
             </a:extLst>
           </p:cNvPr>
           <p:cNvPicPr>
-            <a:picLocks noGrp="1" noChangeAspect="1"/>
+            <a:picLocks noChangeAspect="1"/>
           </p:cNvPicPr>
-          <p:nvPr>
-            <p:ph sz="half" idx="1"/>
-          </p:nvPr>
+          <p:nvPr/>
         </p:nvPicPr>
         <p:blipFill>
-          <a:blip r:embed="rId2">
-            <a:extLst>
-              <a:ext uri="{28A0092B-C50C-407E-A947-70E740481C1C}">
-                <a14:useLocalDpi xmlns:a14="http://schemas.microsoft.com/office/drawing/2010/main" val="0"/>
-              </a:ext>
-            </a:extLst>
-          </a:blip>
+          <a:blip r:embed="rId2"/>
           <a:stretch>
             <a:fillRect/>
           </a:stretch>
         </p:blipFill>
         <p:spPr>
           <a:xfrm>
-            <a:off x="914400" y="2076450"/>
-            <a:ext cx="5195032" cy="3622675"/>
-          </a:xfrm>
-        </p:spPr>
-      </p:pic>
-      <p:pic>
-        <p:nvPicPr>
-          <p:cNvPr id="8" name="Content Placeholder 7" descr="Sailboat on still lake">
-            <a:extLst>
-              <a:ext uri="{FF2B5EF4-FFF2-40B4-BE49-F238E27FC236}">
-                <a16:creationId xmlns:a16="http://schemas.microsoft.com/office/drawing/2014/main" id="{481ADFE3-8627-4D06-B35A-E493245A5A8C}"/>
-              </a:ext>
-            </a:extLst>
-          </p:cNvPr>
-          <p:cNvPicPr>
-            <a:picLocks noGrp="1" noChangeAspect="1"/>
-          </p:cNvPicPr>
-          <p:nvPr>
-            <p:ph sz="half" idx="2"/>
-          </p:nvPr>
-        </p:nvPicPr>
-        <p:blipFill>
-          <a:blip r:embed="rId3">
-            <a:extLst>
-              <a:ext uri="{28A0092B-C50C-407E-A947-70E740481C1C}">
-                <a14:useLocalDpi xmlns:a14="http://schemas.microsoft.com/office/drawing/2010/main" val="0"/>
-              </a:ext>
-            </a:extLst>
-          </a:blip>
-          <a:stretch>
-            <a:fillRect/>
-          </a:stretch>
-        </p:blipFill>
-        <p:spPr>
-          <a:xfrm>
-            <a:off x="6422510" y="2076450"/>
-            <a:ext cx="4833380" cy="3622675"/>
-          </a:xfrm>
-        </p:spPr>
-      </p:pic>
-      <p:sp>
-        <p:nvSpPr>
-          <p:cNvPr id="9" name="TextBox 8">
-            <a:extLst>
-              <a:ext uri="{FF2B5EF4-FFF2-40B4-BE49-F238E27FC236}">
-                <a16:creationId xmlns:a16="http://schemas.microsoft.com/office/drawing/2014/main" id="{9B6376C9-A8A4-4EC3-9831-C94CCD3A5A7C}"/>
-              </a:ext>
-            </a:extLst>
-          </p:cNvPr>
-          <p:cNvSpPr txBox="1"/>
-          <p:nvPr/>
-        </p:nvSpPr>
-        <p:spPr>
-          <a:xfrm>
-            <a:off x="1477108" y="2715065"/>
-            <a:ext cx="4051495" cy="2246769"/>
+            <a:off x="0" y="-1"/>
+            <a:ext cx="12192000" cy="6858001"/>
           </a:xfrm>
           <a:prstGeom prst="rect">
             <a:avLst/>
           </a:prstGeom>
-          <a:noFill/>
         </p:spPr>
-        <p:txBody>
-          <a:bodyPr wrap="square" rtlCol="0">
-            <a:spAutoFit/>
-          </a:bodyPr>
-          <a:lstStyle/>
-          <a:p>
-            <a:r>
-              <a:rPr lang="en-AU" sz="2800" b="1" dirty="0">
-                <a:solidFill>
-                  <a:schemeClr val="bg1"/>
-                </a:solidFill>
-              </a:rPr>
-              <a:t>Our scope covers population vs employment over national states, age &amp; gender groups, working hours and industries.</a:t>
-            </a:r>
-          </a:p>
-        </p:txBody>
-      </p:sp>
-      <p:sp>
-        <p:nvSpPr>
-          <p:cNvPr id="10" name="TextBox 9">
-            <a:extLst>
-              <a:ext uri="{FF2B5EF4-FFF2-40B4-BE49-F238E27FC236}">
-                <a16:creationId xmlns:a16="http://schemas.microsoft.com/office/drawing/2014/main" id="{08940EAB-34EC-4D10-B046-403B3EEA172B}"/>
-              </a:ext>
-            </a:extLst>
-          </p:cNvPr>
-          <p:cNvSpPr txBox="1"/>
-          <p:nvPr/>
-        </p:nvSpPr>
-        <p:spPr>
-          <a:xfrm>
-            <a:off x="6851374" y="2610678"/>
-            <a:ext cx="3922643" cy="2246769"/>
-          </a:xfrm>
-          <a:prstGeom prst="rect">
-            <a:avLst/>
-          </a:prstGeom>
-          <a:noFill/>
-        </p:spPr>
-        <p:txBody>
-          <a:bodyPr wrap="square" rtlCol="0">
-            <a:spAutoFit/>
-          </a:bodyPr>
-          <a:lstStyle/>
-          <a:p>
-            <a:r>
-              <a:rPr lang="en-AU" sz="2800" dirty="0">
-                <a:solidFill>
-                  <a:schemeClr val="bg1"/>
-                </a:solidFill>
-              </a:rPr>
-              <a:t>Our employment definition as ABS’ full_ time plus </a:t>
-            </a:r>
-            <a:r>
-              <a:rPr lang="en-AU" sz="2800" dirty="0" err="1">
-                <a:solidFill>
-                  <a:schemeClr val="bg1"/>
-                </a:solidFill>
-              </a:rPr>
-              <a:t>part_time</a:t>
-            </a:r>
-            <a:r>
-              <a:rPr lang="en-AU" sz="2800" dirty="0">
-                <a:solidFill>
-                  <a:schemeClr val="bg1"/>
-                </a:solidFill>
-              </a:rPr>
-              <a:t> jobs.</a:t>
-            </a:r>
-          </a:p>
-          <a:p>
-            <a:r>
-              <a:rPr lang="en-AU" sz="2800" dirty="0">
-                <a:solidFill>
-                  <a:schemeClr val="bg1"/>
-                </a:solidFill>
-              </a:rPr>
-              <a:t>Yearly change % take 2012</a:t>
-            </a:r>
-          </a:p>
-          <a:p>
-            <a:r>
-              <a:rPr lang="en-AU" sz="2800" dirty="0">
-                <a:solidFill>
-                  <a:schemeClr val="bg1"/>
-                </a:solidFill>
-              </a:rPr>
-              <a:t>as our base year.</a:t>
-            </a:r>
-          </a:p>
-        </p:txBody>
-      </p:sp>
+      </p:pic>
     </p:spTree>
     <p:extLst>
       <p:ext uri="{BB962C8B-B14F-4D97-AF65-F5344CB8AC3E}">
-        <p14:creationId xmlns:p14="http://schemas.microsoft.com/office/powerpoint/2010/main" val="132768973"/>
+        <p14:creationId xmlns:p14="http://schemas.microsoft.com/office/powerpoint/2010/main" val="3713217886"/>
       </p:ext>
     </p:extLst>
   </p:cSld>
@@ -9306,7 +9054,7 @@
 </p:sld>
 </file>
 
-<file path=ppt/slides/slide4.xml><?xml version="1.0" encoding="utf-8"?>
+<file path=ppt/slides/slide11.xml><?xml version="1.0" encoding="utf-8"?>
 <p:sld xmlns:a="http://schemas.openxmlformats.org/drawingml/2006/main" xmlns:r="http://schemas.openxmlformats.org/officeDocument/2006/relationships" xmlns:p="http://schemas.openxmlformats.org/presentationml/2006/main">
   <p:cSld>
     <p:spTree>
@@ -9323,147 +9071,40 @@
           <a:chExt cx="0" cy="0"/>
         </a:xfrm>
       </p:grpSpPr>
-      <p:sp>
-        <p:nvSpPr>
-          <p:cNvPr id="2" name="Title 1">
+      <p:pic>
+        <p:nvPicPr>
+          <p:cNvPr id="2" name="Picture 1">
             <a:extLst>
               <a:ext uri="{FF2B5EF4-FFF2-40B4-BE49-F238E27FC236}">
-                <a16:creationId xmlns:a16="http://schemas.microsoft.com/office/drawing/2014/main" id="{EE505587-60B9-48DF-9078-6A619AF5EC7C}"/>
-              </a:ext>
-            </a:extLst>
-          </p:cNvPr>
-          <p:cNvSpPr>
-            <a:spLocks noGrp="1"/>
-          </p:cNvSpPr>
-          <p:nvPr>
-            <p:ph type="title"/>
-          </p:nvPr>
-        </p:nvSpPr>
-        <p:spPr/>
-        <p:txBody>
-          <a:bodyPr/>
-          <a:lstStyle/>
-          <a:p>
-            <a:r>
-              <a:rPr lang="en-AU" dirty="0"/>
-              <a:t>Regarding our Charts</a:t>
-            </a:r>
-          </a:p>
-        </p:txBody>
-      </p:sp>
-      <p:pic>
-        <p:nvPicPr>
-          <p:cNvPr id="6" name="Content Placeholder 5" descr="Birds perched on power lines against blue sky">
-            <a:extLst>
-              <a:ext uri="{FF2B5EF4-FFF2-40B4-BE49-F238E27FC236}">
-                <a16:creationId xmlns:a16="http://schemas.microsoft.com/office/drawing/2014/main" id="{0A8F5449-E82E-438D-87E0-9731947ACBC5}"/>
+                <a16:creationId xmlns:a16="http://schemas.microsoft.com/office/drawing/2014/main" id="{1018E403-D2EB-4E20-A207-B31C35F48EB1}"/>
               </a:ext>
             </a:extLst>
           </p:cNvPr>
           <p:cNvPicPr>
-            <a:picLocks noGrp="1" noChangeAspect="1"/>
+            <a:picLocks noChangeAspect="1"/>
           </p:cNvPicPr>
-          <p:nvPr>
-            <p:ph sz="half" idx="1"/>
-          </p:nvPr>
+          <p:nvPr/>
         </p:nvPicPr>
         <p:blipFill>
-          <a:blip r:embed="rId2">
-            <a:extLst>
-              <a:ext uri="{28A0092B-C50C-407E-A947-70E740481C1C}">
-                <a14:useLocalDpi xmlns:a14="http://schemas.microsoft.com/office/drawing/2010/main" val="0"/>
-              </a:ext>
-            </a:extLst>
-          </a:blip>
+          <a:blip r:embed="rId2"/>
           <a:stretch>
             <a:fillRect/>
           </a:stretch>
         </p:blipFill>
         <p:spPr>
           <a:xfrm>
-            <a:off x="914400" y="2273018"/>
-            <a:ext cx="4856163" cy="3229538"/>
-          </a:xfrm>
-        </p:spPr>
-      </p:pic>
-      <p:pic>
-        <p:nvPicPr>
-          <p:cNvPr id="9" name="Content Placeholder 8" descr="Person standing on top of a mountain">
-            <a:extLst>
-              <a:ext uri="{FF2B5EF4-FFF2-40B4-BE49-F238E27FC236}">
-                <a16:creationId xmlns:a16="http://schemas.microsoft.com/office/drawing/2014/main" id="{F917D673-32F1-400B-AEBE-CA6F202678BC}"/>
-              </a:ext>
-            </a:extLst>
-          </p:cNvPr>
-          <p:cNvPicPr>
-            <a:picLocks noGrp="1" noChangeAspect="1"/>
-          </p:cNvPicPr>
-          <p:nvPr>
-            <p:ph sz="half" idx="2"/>
-          </p:nvPr>
-        </p:nvPicPr>
-        <p:blipFill>
-          <a:blip r:embed="rId3">
-            <a:extLst>
-              <a:ext uri="{28A0092B-C50C-407E-A947-70E740481C1C}">
-                <a14:useLocalDpi xmlns:a14="http://schemas.microsoft.com/office/drawing/2010/main" val="0"/>
-              </a:ext>
-            </a:extLst>
-          </a:blip>
-          <a:stretch>
-            <a:fillRect/>
-          </a:stretch>
-        </p:blipFill>
-        <p:spPr>
-          <a:xfrm>
-            <a:off x="6410325" y="2266561"/>
-            <a:ext cx="4857750" cy="3242453"/>
-          </a:xfrm>
-        </p:spPr>
-      </p:pic>
-      <p:sp>
-        <p:nvSpPr>
-          <p:cNvPr id="7" name="TextBox 6">
-            <a:extLst>
-              <a:ext uri="{FF2B5EF4-FFF2-40B4-BE49-F238E27FC236}">
-                <a16:creationId xmlns:a16="http://schemas.microsoft.com/office/drawing/2014/main" id="{2135912F-A505-4C7E-81AC-F403F3E087B6}"/>
-              </a:ext>
-            </a:extLst>
-          </p:cNvPr>
-          <p:cNvSpPr txBox="1"/>
-          <p:nvPr/>
-        </p:nvSpPr>
-        <p:spPr>
-          <a:xfrm>
-            <a:off x="1322363" y="2771335"/>
-            <a:ext cx="3967089" cy="2677656"/>
+            <a:off x="0" y="-1"/>
+            <a:ext cx="12192000" cy="6858001"/>
           </a:xfrm>
           <a:prstGeom prst="rect">
             <a:avLst/>
           </a:prstGeom>
-          <a:noFill/>
         </p:spPr>
-        <p:txBody>
-          <a:bodyPr wrap="square" rtlCol="0">
-            <a:spAutoFit/>
-          </a:bodyPr>
-          <a:lstStyle/>
-          <a:p>
-            <a:r>
-              <a:rPr lang="en-AU" sz="2800" dirty="0">
-                <a:solidFill>
-                  <a:schemeClr val="bg1"/>
-                </a:solidFill>
-              </a:rPr>
-              <a:t>We have a lot of charts to show the results, however to save time we only present few of them, all others refer to results holder</a:t>
-            </a:r>
-          </a:p>
-        </p:txBody>
-      </p:sp>
+      </p:pic>
     </p:spTree>
     <p:extLst>
       <p:ext uri="{BB962C8B-B14F-4D97-AF65-F5344CB8AC3E}">
-        <p14:creationId xmlns:p14="http://schemas.microsoft.com/office/powerpoint/2010/main" val="3424018072"/>
+        <p14:creationId xmlns:p14="http://schemas.microsoft.com/office/powerpoint/2010/main" val="3305178581"/>
       </p:ext>
     </p:extLst>
   </p:cSld>
@@ -9473,7 +9114,7 @@
 </p:sld>
 </file>
 
-<file path=ppt/slides/slide5.xml><?xml version="1.0" encoding="utf-8"?>
+<file path=ppt/slides/slide12.xml><?xml version="1.0" encoding="utf-8"?>
 <p:sld xmlns:a="http://schemas.openxmlformats.org/drawingml/2006/main" xmlns:r="http://schemas.openxmlformats.org/officeDocument/2006/relationships" xmlns:p="http://schemas.openxmlformats.org/presentationml/2006/main">
   <p:cSld>
     <p:spTree>
@@ -9490,213 +9131,40 @@
           <a:chExt cx="0" cy="0"/>
         </a:xfrm>
       </p:grpSpPr>
-      <p:sp>
-        <p:nvSpPr>
-          <p:cNvPr id="2" name="Title 1">
+      <p:pic>
+        <p:nvPicPr>
+          <p:cNvPr id="2" name="Picture 1">
             <a:extLst>
               <a:ext uri="{FF2B5EF4-FFF2-40B4-BE49-F238E27FC236}">
-                <a16:creationId xmlns:a16="http://schemas.microsoft.com/office/drawing/2014/main" id="{178C0FA6-EBAD-4CF0-A3B1-D4CE89F65FC4}"/>
+                <a16:creationId xmlns:a16="http://schemas.microsoft.com/office/drawing/2014/main" id="{29111207-C1E2-41EB-B93D-8411F98D43AC}"/>
               </a:ext>
             </a:extLst>
           </p:cNvPr>
-          <p:cNvSpPr>
-            <a:spLocks noGrp="1"/>
-          </p:cNvSpPr>
-          <p:nvPr>
-            <p:ph type="title"/>
-          </p:nvPr>
-        </p:nvSpPr>
+          <p:cNvPicPr>
+            <a:picLocks noChangeAspect="1"/>
+          </p:cNvPicPr>
+          <p:nvPr/>
+        </p:nvPicPr>
+        <p:blipFill>
+          <a:blip r:embed="rId2"/>
+          <a:stretch>
+            <a:fillRect/>
+          </a:stretch>
+        </p:blipFill>
         <p:spPr>
           <a:xfrm>
-            <a:off x="913795" y="609600"/>
-            <a:ext cx="10353762" cy="848139"/>
-          </a:xfrm>
-        </p:spPr>
-        <p:txBody>
-          <a:bodyPr/>
-          <a:lstStyle/>
-          <a:p>
-            <a:r>
-              <a:rPr lang="en-AU" b="1" dirty="0"/>
-              <a:t>Conclusions</a:t>
-            </a:r>
-          </a:p>
-        </p:txBody>
-      </p:sp>
-      <p:sp>
-        <p:nvSpPr>
-          <p:cNvPr id="3" name="TextBox 2">
-            <a:extLst>
-              <a:ext uri="{FF2B5EF4-FFF2-40B4-BE49-F238E27FC236}">
-                <a16:creationId xmlns:a16="http://schemas.microsoft.com/office/drawing/2014/main" id="{2A73937A-6ABB-432E-A989-0FB9CBFAD5D5}"/>
-              </a:ext>
-            </a:extLst>
-          </p:cNvPr>
-          <p:cNvSpPr txBox="1"/>
-          <p:nvPr/>
-        </p:nvSpPr>
-        <p:spPr>
-          <a:xfrm>
-            <a:off x="1179443" y="1866900"/>
-            <a:ext cx="10098762" cy="4801314"/>
+            <a:off x="0" y="-1"/>
+            <a:ext cx="12192000" cy="6858001"/>
           </a:xfrm>
           <a:prstGeom prst="rect">
             <a:avLst/>
           </a:prstGeom>
-          <a:noFill/>
         </p:spPr>
-        <p:txBody>
-          <a:bodyPr wrap="square" rtlCol="0">
-            <a:spAutoFit/>
-          </a:bodyPr>
-          <a:lstStyle/>
-          <a:p>
-            <a:r>
-              <a:rPr lang="en-AU" dirty="0">
-                <a:highlight>
-                  <a:srgbClr val="0000FF"/>
-                </a:highlight>
-              </a:rPr>
-              <a:t>For population vs employment over states – </a:t>
-            </a:r>
-          </a:p>
-          <a:p>
-            <a:endParaRPr lang="en-AU" dirty="0">
-              <a:highlight>
-                <a:srgbClr val="0000FF"/>
-              </a:highlight>
-            </a:endParaRPr>
-          </a:p>
-          <a:p>
-            <a:pPr marL="342900" lvl="0" indent="-342900">
-              <a:buAutoNum type="arabicPeriod"/>
-            </a:pPr>
-            <a:r>
-              <a:rPr lang="en-AU" dirty="0">
-                <a:highlight>
-                  <a:srgbClr val="0000FF"/>
-                </a:highlight>
-              </a:rPr>
-              <a:t>National and every states/territories population average yearly positive increasing, with national level at 	1.25%, max Vic at 1.74%, and min Tas at 0.27%.</a:t>
-            </a:r>
-          </a:p>
-          <a:p>
-            <a:pPr marL="342900" lvl="0" indent="-342900">
-              <a:buAutoNum type="arabicPeriod"/>
-            </a:pPr>
-            <a:endParaRPr lang="en-AU" dirty="0">
-              <a:highlight>
-                <a:srgbClr val="0000FF"/>
-              </a:highlight>
-            </a:endParaRPr>
-          </a:p>
-          <a:p>
-            <a:pPr lvl="0"/>
-            <a:r>
-              <a:rPr lang="en-AU" dirty="0">
-                <a:highlight>
-                  <a:srgbClr val="0000FF"/>
-                </a:highlight>
-              </a:rPr>
-              <a:t>2.  Employment increasing every year in the whole country, the national level at 0.9%, max Vic at 	about   	1.4%, min SA at 0.04%.</a:t>
-            </a:r>
-          </a:p>
-          <a:p>
-            <a:pPr lvl="0"/>
-            <a:endParaRPr lang="en-AU" dirty="0">
-              <a:highlight>
-                <a:srgbClr val="0000FF"/>
-              </a:highlight>
-            </a:endParaRPr>
-          </a:p>
-          <a:p>
-            <a:pPr lvl="0"/>
-            <a:r>
-              <a:rPr lang="en-AU" dirty="0">
-                <a:highlight>
-                  <a:srgbClr val="0000FF"/>
-                </a:highlight>
-              </a:rPr>
-              <a:t>3.  From population vs employment correlation coefficient point of view, every states shown a very strong 	correlation effect (</a:t>
-            </a:r>
-            <a:r>
-              <a:rPr lang="en-AU" dirty="0" err="1">
-                <a:highlight>
-                  <a:srgbClr val="0000FF"/>
-                </a:highlight>
-              </a:rPr>
-              <a:t>corr</a:t>
-            </a:r>
-            <a:r>
-              <a:rPr lang="en-AU" dirty="0">
-                <a:highlight>
-                  <a:srgbClr val="0000FF"/>
-                </a:highlight>
-              </a:rPr>
-              <a:t> = 0.8 - 0.99), except WA and NT with coefficient values at 0.55 and 0.65 	respectively.</a:t>
-            </a:r>
-          </a:p>
-          <a:p>
-            <a:pPr lvl="0"/>
-            <a:endParaRPr lang="en-AU" dirty="0">
-              <a:highlight>
-                <a:srgbClr val="0000FF"/>
-              </a:highlight>
-            </a:endParaRPr>
-          </a:p>
-          <a:p>
-            <a:pPr marL="342900" lvl="0" indent="-342900">
-              <a:buAutoNum type="arabicPeriod" startAt="4"/>
-            </a:pPr>
-            <a:r>
-              <a:rPr lang="en-AU" dirty="0">
-                <a:highlight>
-                  <a:srgbClr val="0000FF"/>
-                </a:highlight>
-              </a:rPr>
-              <a:t>Contrary to any other state, TAS’s average employment change rate 50% higher than its population 	increase rate, means where easy to find job? </a:t>
-            </a:r>
-          </a:p>
-          <a:p>
-            <a:pPr marL="342900" lvl="0" indent="-342900">
-              <a:buAutoNum type="arabicPeriod" startAt="4"/>
-            </a:pPr>
-            <a:endParaRPr lang="en-AU" dirty="0">
-              <a:highlight>
-                <a:srgbClr val="0000FF"/>
-              </a:highlight>
-            </a:endParaRPr>
-          </a:p>
-          <a:p>
-            <a:pPr marL="342900" indent="-342900">
-              <a:buFontTx/>
-              <a:buAutoNum type="arabicPeriod" startAt="4"/>
-            </a:pPr>
-            <a:r>
-              <a:rPr lang="en-AU" dirty="0">
-                <a:highlight>
-                  <a:srgbClr val="0000FF"/>
-                </a:highlight>
-              </a:rPr>
-              <a:t>Within the whole country, population yearly average increase rate overpass that of employment.</a:t>
-            </a:r>
-          </a:p>
-          <a:p>
-            <a:pPr marL="342900" lvl="0" indent="-342900">
-              <a:buAutoNum type="arabicPeriod" startAt="4"/>
-            </a:pPr>
-            <a:endParaRPr lang="en-AU" dirty="0">
-              <a:highlight>
-                <a:srgbClr val="0000FF"/>
-              </a:highlight>
-            </a:endParaRPr>
-          </a:p>
-        </p:txBody>
-      </p:sp>
+      </p:pic>
     </p:spTree>
     <p:extLst>
       <p:ext uri="{BB962C8B-B14F-4D97-AF65-F5344CB8AC3E}">
-        <p14:creationId xmlns:p14="http://schemas.microsoft.com/office/powerpoint/2010/main" val="289799926"/>
+        <p14:creationId xmlns:p14="http://schemas.microsoft.com/office/powerpoint/2010/main" val="3211148778"/>
       </p:ext>
     </p:extLst>
   </p:cSld>
@@ -9706,7 +9174,127 @@
 </p:sld>
 </file>
 
-<file path=ppt/slides/slide6.xml><?xml version="1.0" encoding="utf-8"?>
+<file path=ppt/slides/slide13.xml><?xml version="1.0" encoding="utf-8"?>
+<p:sld xmlns:a="http://schemas.openxmlformats.org/drawingml/2006/main" xmlns:r="http://schemas.openxmlformats.org/officeDocument/2006/relationships" xmlns:p="http://schemas.openxmlformats.org/presentationml/2006/main">
+  <p:cSld>
+    <p:spTree>
+      <p:nvGrpSpPr>
+        <p:cNvPr id="1" name=""/>
+        <p:cNvGrpSpPr/>
+        <p:nvPr/>
+      </p:nvGrpSpPr>
+      <p:grpSpPr>
+        <a:xfrm>
+          <a:off x="0" y="0"/>
+          <a:ext cx="0" cy="0"/>
+          <a:chOff x="0" y="0"/>
+          <a:chExt cx="0" cy="0"/>
+        </a:xfrm>
+      </p:grpSpPr>
+      <p:pic>
+        <p:nvPicPr>
+          <p:cNvPr id="2" name="Picture 1">
+            <a:extLst>
+              <a:ext uri="{FF2B5EF4-FFF2-40B4-BE49-F238E27FC236}">
+                <a16:creationId xmlns:a16="http://schemas.microsoft.com/office/drawing/2014/main" id="{612E1DAD-4D01-423C-98C6-376A530D3E7A}"/>
+              </a:ext>
+            </a:extLst>
+          </p:cNvPr>
+          <p:cNvPicPr>
+            <a:picLocks noChangeAspect="1"/>
+          </p:cNvPicPr>
+          <p:nvPr/>
+        </p:nvPicPr>
+        <p:blipFill>
+          <a:blip r:embed="rId2"/>
+          <a:stretch>
+            <a:fillRect/>
+          </a:stretch>
+        </p:blipFill>
+        <p:spPr>
+          <a:xfrm>
+            <a:off x="1" y="0"/>
+            <a:ext cx="12192000" cy="6778869"/>
+          </a:xfrm>
+          <a:prstGeom prst="rect">
+            <a:avLst/>
+          </a:prstGeom>
+        </p:spPr>
+      </p:pic>
+    </p:spTree>
+    <p:extLst>
+      <p:ext uri="{BB962C8B-B14F-4D97-AF65-F5344CB8AC3E}">
+        <p14:creationId xmlns:p14="http://schemas.microsoft.com/office/powerpoint/2010/main" val="276306404"/>
+      </p:ext>
+    </p:extLst>
+  </p:cSld>
+  <p:clrMapOvr>
+    <a:masterClrMapping/>
+  </p:clrMapOvr>
+</p:sld>
+</file>
+
+<file path=ppt/slides/slide14.xml><?xml version="1.0" encoding="utf-8"?>
+<p:sld xmlns:a="http://schemas.openxmlformats.org/drawingml/2006/main" xmlns:r="http://schemas.openxmlformats.org/officeDocument/2006/relationships" xmlns:p="http://schemas.openxmlformats.org/presentationml/2006/main">
+  <p:cSld>
+    <p:spTree>
+      <p:nvGrpSpPr>
+        <p:cNvPr id="1" name=""/>
+        <p:cNvGrpSpPr/>
+        <p:nvPr/>
+      </p:nvGrpSpPr>
+      <p:grpSpPr>
+        <a:xfrm>
+          <a:off x="0" y="0"/>
+          <a:ext cx="0" cy="0"/>
+          <a:chOff x="0" y="0"/>
+          <a:chExt cx="0" cy="0"/>
+        </a:xfrm>
+      </p:grpSpPr>
+      <p:pic>
+        <p:nvPicPr>
+          <p:cNvPr id="2" name="Picture 1">
+            <a:extLst>
+              <a:ext uri="{FF2B5EF4-FFF2-40B4-BE49-F238E27FC236}">
+                <a16:creationId xmlns:a16="http://schemas.microsoft.com/office/drawing/2014/main" id="{CF4AC6CA-5123-4B7D-A174-F864334AD706}"/>
+              </a:ext>
+            </a:extLst>
+          </p:cNvPr>
+          <p:cNvPicPr>
+            <a:picLocks noChangeAspect="1"/>
+          </p:cNvPicPr>
+          <p:nvPr/>
+        </p:nvPicPr>
+        <p:blipFill>
+          <a:blip r:embed="rId2"/>
+          <a:stretch>
+            <a:fillRect/>
+          </a:stretch>
+        </p:blipFill>
+        <p:spPr>
+          <a:xfrm>
+            <a:off x="0" y="-1"/>
+            <a:ext cx="12192000" cy="6802609"/>
+          </a:xfrm>
+          <a:prstGeom prst="rect">
+            <a:avLst/>
+          </a:prstGeom>
+        </p:spPr>
+      </p:pic>
+    </p:spTree>
+    <p:extLst>
+      <p:ext uri="{BB962C8B-B14F-4D97-AF65-F5344CB8AC3E}">
+        <p14:creationId xmlns:p14="http://schemas.microsoft.com/office/powerpoint/2010/main" val="2289440969"/>
+      </p:ext>
+    </p:extLst>
+  </p:cSld>
+  <p:clrMapOvr>
+    <a:masterClrMapping/>
+  </p:clrMapOvr>
+</p:sld>
+</file>
+
+<file path=ppt/slides/slide15.xml><?xml version="1.0" encoding="utf-8"?>
 <p:sld xmlns:a="http://schemas.openxmlformats.org/drawingml/2006/main" xmlns:r="http://schemas.openxmlformats.org/officeDocument/2006/relationships" xmlns:p="http://schemas.openxmlformats.org/presentationml/2006/main">
   <p:cSld>
     <p:spTree>
@@ -9814,6 +9402,1292 @@
     <p:extLst>
       <p:ext uri="{BB962C8B-B14F-4D97-AF65-F5344CB8AC3E}">
         <p14:creationId xmlns:p14="http://schemas.microsoft.com/office/powerpoint/2010/main" val="2066484131"/>
+      </p:ext>
+    </p:extLst>
+  </p:cSld>
+  <p:clrMapOvr>
+    <a:masterClrMapping/>
+  </p:clrMapOvr>
+</p:sld>
+</file>
+
+<file path=ppt/slides/slide2.xml><?xml version="1.0" encoding="utf-8"?>
+<p:sld xmlns:a="http://schemas.openxmlformats.org/drawingml/2006/main" xmlns:r="http://schemas.openxmlformats.org/officeDocument/2006/relationships" xmlns:p="http://schemas.openxmlformats.org/presentationml/2006/main">
+  <p:cSld>
+    <p:bg>
+      <p:bgPr>
+        <a:blipFill rotWithShape="1">
+          <a:blip r:embed="rId2">
+            <a:duotone>
+              <a:schemeClr val="bg1">
+                <a:shade val="80000"/>
+                <a:lumMod val="80000"/>
+              </a:schemeClr>
+              <a:schemeClr val="bg1">
+                <a:tint val="98000"/>
+              </a:schemeClr>
+            </a:duotone>
+          </a:blip>
+          <a:stretch/>
+        </a:blipFill>
+        <a:effectLst/>
+      </p:bgPr>
+    </p:bg>
+    <p:spTree>
+      <p:nvGrpSpPr>
+        <p:cNvPr id="1" name=""/>
+        <p:cNvGrpSpPr/>
+        <p:nvPr/>
+      </p:nvGrpSpPr>
+      <p:grpSpPr>
+        <a:xfrm>
+          <a:off x="0" y="0"/>
+          <a:ext cx="0" cy="0"/>
+          <a:chOff x="0" y="0"/>
+          <a:chExt cx="0" cy="0"/>
+        </a:xfrm>
+      </p:grpSpPr>
+      <p:sp>
+        <p:nvSpPr>
+          <p:cNvPr id="2" name="Title 1">
+            <a:extLst>
+              <a:ext uri="{FF2B5EF4-FFF2-40B4-BE49-F238E27FC236}">
+                <a16:creationId xmlns:a16="http://schemas.microsoft.com/office/drawing/2014/main" id="{9D6A748D-BEEC-43A4-BFF3-B31C0275A5D9}"/>
+              </a:ext>
+            </a:extLst>
+          </p:cNvPr>
+          <p:cNvSpPr>
+            <a:spLocks noGrp="1"/>
+          </p:cNvSpPr>
+          <p:nvPr>
+            <p:ph type="title"/>
+          </p:nvPr>
+        </p:nvSpPr>
+        <p:spPr>
+          <a:xfrm>
+            <a:off x="913795" y="609600"/>
+            <a:ext cx="10353762" cy="1257300"/>
+          </a:xfrm>
+        </p:spPr>
+        <p:txBody>
+          <a:bodyPr>
+            <a:normAutofit/>
+          </a:bodyPr>
+          <a:lstStyle/>
+          <a:p>
+            <a:r>
+              <a:rPr lang="en-US" dirty="0"/>
+              <a:t>Why &amp; How</a:t>
+            </a:r>
+          </a:p>
+        </p:txBody>
+      </p:sp>
+      <p:graphicFrame>
+        <p:nvGraphicFramePr>
+          <p:cNvPr id="4" name="Content Placeholder 2">
+            <a:extLst>
+              <a:ext uri="{FF2B5EF4-FFF2-40B4-BE49-F238E27FC236}">
+                <a16:creationId xmlns:a16="http://schemas.microsoft.com/office/drawing/2014/main" id="{AED04DAF-1E3F-4397-8834-E64118E9B2CD}"/>
+              </a:ext>
+            </a:extLst>
+          </p:cNvPr>
+          <p:cNvGraphicFramePr>
+            <a:graphicFrameLocks noGrp="1"/>
+          </p:cNvGraphicFramePr>
+          <p:nvPr>
+            <p:ph idx="1"/>
+            <p:extLst>
+              <p:ext uri="{D42A27DB-BD31-4B8C-83A1-F6EECF244321}">
+                <p14:modId xmlns:p14="http://schemas.microsoft.com/office/powerpoint/2010/main" val="1892988478"/>
+              </p:ext>
+            </p:extLst>
+          </p:nvPr>
+        </p:nvGraphicFramePr>
+        <p:xfrm>
+          <a:off x="914400" y="2076450"/>
+          <a:ext cx="10353675" cy="3714750"/>
+        </p:xfrm>
+        <a:graphic>
+          <a:graphicData uri="http://schemas.openxmlformats.org/drawingml/2006/diagram">
+            <dgm:relIds xmlns:dgm="http://schemas.openxmlformats.org/drawingml/2006/diagram" xmlns:r="http://schemas.openxmlformats.org/officeDocument/2006/relationships" r:dm="rId3" r:lo="rId4" r:qs="rId5" r:cs="rId6"/>
+          </a:graphicData>
+        </a:graphic>
+      </p:graphicFrame>
+    </p:spTree>
+    <p:extLst>
+      <p:ext uri="{BB962C8B-B14F-4D97-AF65-F5344CB8AC3E}">
+        <p14:creationId xmlns:p14="http://schemas.microsoft.com/office/powerpoint/2010/main" val="2689089790"/>
+      </p:ext>
+    </p:extLst>
+  </p:cSld>
+  <p:clrMapOvr>
+    <a:masterClrMapping/>
+  </p:clrMapOvr>
+</p:sld>
+</file>
+
+<file path=ppt/slides/slide3.xml><?xml version="1.0" encoding="utf-8"?>
+<p:sld xmlns:a="http://schemas.openxmlformats.org/drawingml/2006/main" xmlns:r="http://schemas.openxmlformats.org/officeDocument/2006/relationships" xmlns:p="http://schemas.openxmlformats.org/presentationml/2006/main">
+  <p:cSld>
+    <p:spTree>
+      <p:nvGrpSpPr>
+        <p:cNvPr id="1" name=""/>
+        <p:cNvGrpSpPr/>
+        <p:nvPr/>
+      </p:nvGrpSpPr>
+      <p:grpSpPr>
+        <a:xfrm>
+          <a:off x="0" y="0"/>
+          <a:ext cx="0" cy="0"/>
+          <a:chOff x="0" y="0"/>
+          <a:chExt cx="0" cy="0"/>
+        </a:xfrm>
+      </p:grpSpPr>
+      <p:sp>
+        <p:nvSpPr>
+          <p:cNvPr id="2" name="Title 1">
+            <a:extLst>
+              <a:ext uri="{FF2B5EF4-FFF2-40B4-BE49-F238E27FC236}">
+                <a16:creationId xmlns:a16="http://schemas.microsoft.com/office/drawing/2014/main" id="{793AF057-1980-4942-9ADD-1D62C789DB9A}"/>
+              </a:ext>
+            </a:extLst>
+          </p:cNvPr>
+          <p:cNvSpPr>
+            <a:spLocks noGrp="1"/>
+          </p:cNvSpPr>
+          <p:nvPr>
+            <p:ph type="title"/>
+          </p:nvPr>
+        </p:nvSpPr>
+        <p:spPr/>
+        <p:txBody>
+          <a:bodyPr/>
+          <a:lstStyle/>
+          <a:p>
+            <a:r>
+              <a:rPr lang="en-AU" dirty="0"/>
+              <a:t>Scope &amp; Definition</a:t>
+            </a:r>
+          </a:p>
+        </p:txBody>
+      </p:sp>
+      <p:pic>
+        <p:nvPicPr>
+          <p:cNvPr id="6" name="Content Placeholder 5" descr="Close-up of water droplet on a leaf">
+            <a:extLst>
+              <a:ext uri="{FF2B5EF4-FFF2-40B4-BE49-F238E27FC236}">
+                <a16:creationId xmlns:a16="http://schemas.microsoft.com/office/drawing/2014/main" id="{984CA3B6-C2DB-43B2-BB5F-AC020104D5EE}"/>
+              </a:ext>
+            </a:extLst>
+          </p:cNvPr>
+          <p:cNvPicPr>
+            <a:picLocks noGrp="1" noChangeAspect="1"/>
+          </p:cNvPicPr>
+          <p:nvPr>
+            <p:ph sz="half" idx="1"/>
+          </p:nvPr>
+        </p:nvPicPr>
+        <p:blipFill>
+          <a:blip r:embed="rId2">
+            <a:extLst>
+              <a:ext uri="{28A0092B-C50C-407E-A947-70E740481C1C}">
+                <a14:useLocalDpi xmlns:a14="http://schemas.microsoft.com/office/drawing/2010/main" val="0"/>
+              </a:ext>
+            </a:extLst>
+          </a:blip>
+          <a:stretch>
+            <a:fillRect/>
+          </a:stretch>
+        </p:blipFill>
+        <p:spPr>
+          <a:xfrm>
+            <a:off x="914400" y="2076450"/>
+            <a:ext cx="5195032" cy="3622675"/>
+          </a:xfrm>
+        </p:spPr>
+      </p:pic>
+      <p:pic>
+        <p:nvPicPr>
+          <p:cNvPr id="8" name="Content Placeholder 7" descr="Sailboat on still lake">
+            <a:extLst>
+              <a:ext uri="{FF2B5EF4-FFF2-40B4-BE49-F238E27FC236}">
+                <a16:creationId xmlns:a16="http://schemas.microsoft.com/office/drawing/2014/main" id="{481ADFE3-8627-4D06-B35A-E493245A5A8C}"/>
+              </a:ext>
+            </a:extLst>
+          </p:cNvPr>
+          <p:cNvPicPr>
+            <a:picLocks noGrp="1" noChangeAspect="1"/>
+          </p:cNvPicPr>
+          <p:nvPr>
+            <p:ph sz="half" idx="2"/>
+          </p:nvPr>
+        </p:nvPicPr>
+        <p:blipFill>
+          <a:blip r:embed="rId3">
+            <a:extLst>
+              <a:ext uri="{28A0092B-C50C-407E-A947-70E740481C1C}">
+                <a14:useLocalDpi xmlns:a14="http://schemas.microsoft.com/office/drawing/2010/main" val="0"/>
+              </a:ext>
+            </a:extLst>
+          </a:blip>
+          <a:stretch>
+            <a:fillRect/>
+          </a:stretch>
+        </p:blipFill>
+        <p:spPr>
+          <a:xfrm>
+            <a:off x="6422510" y="2076450"/>
+            <a:ext cx="4833380" cy="3622675"/>
+          </a:xfrm>
+        </p:spPr>
+      </p:pic>
+      <p:sp>
+        <p:nvSpPr>
+          <p:cNvPr id="9" name="TextBox 8">
+            <a:extLst>
+              <a:ext uri="{FF2B5EF4-FFF2-40B4-BE49-F238E27FC236}">
+                <a16:creationId xmlns:a16="http://schemas.microsoft.com/office/drawing/2014/main" id="{9B6376C9-A8A4-4EC3-9831-C94CCD3A5A7C}"/>
+              </a:ext>
+            </a:extLst>
+          </p:cNvPr>
+          <p:cNvSpPr txBox="1"/>
+          <p:nvPr/>
+        </p:nvSpPr>
+        <p:spPr>
+          <a:xfrm>
+            <a:off x="1477108" y="2715065"/>
+            <a:ext cx="4051495" cy="2677656"/>
+          </a:xfrm>
+          <a:prstGeom prst="rect">
+            <a:avLst/>
+          </a:prstGeom>
+          <a:noFill/>
+        </p:spPr>
+        <p:txBody>
+          <a:bodyPr wrap="square" rtlCol="0">
+            <a:spAutoFit/>
+          </a:bodyPr>
+          <a:lstStyle/>
+          <a:p>
+            <a:r>
+              <a:rPr lang="en-AU" sz="2800" b="1" dirty="0">
+                <a:solidFill>
+                  <a:schemeClr val="bg1"/>
+                </a:solidFill>
+              </a:rPr>
+              <a:t>Our scope covers population vs employment and unemployment over national states, age &amp; gender groups, working hours and industries.</a:t>
+            </a:r>
+          </a:p>
+        </p:txBody>
+      </p:sp>
+      <p:sp>
+        <p:nvSpPr>
+          <p:cNvPr id="10" name="TextBox 9">
+            <a:extLst>
+              <a:ext uri="{FF2B5EF4-FFF2-40B4-BE49-F238E27FC236}">
+                <a16:creationId xmlns:a16="http://schemas.microsoft.com/office/drawing/2014/main" id="{08940EAB-34EC-4D10-B046-403B3EEA172B}"/>
+              </a:ext>
+            </a:extLst>
+          </p:cNvPr>
+          <p:cNvSpPr txBox="1"/>
+          <p:nvPr/>
+        </p:nvSpPr>
+        <p:spPr>
+          <a:xfrm>
+            <a:off x="6851374" y="2610678"/>
+            <a:ext cx="3922643" cy="3108543"/>
+          </a:xfrm>
+          <a:prstGeom prst="rect">
+            <a:avLst/>
+          </a:prstGeom>
+          <a:noFill/>
+        </p:spPr>
+        <p:txBody>
+          <a:bodyPr wrap="square" rtlCol="0">
+            <a:spAutoFit/>
+          </a:bodyPr>
+          <a:lstStyle/>
+          <a:p>
+            <a:r>
+              <a:rPr lang="en-AU" sz="2800" dirty="0">
+                <a:solidFill>
+                  <a:schemeClr val="bg1"/>
+                </a:solidFill>
+              </a:rPr>
+              <a:t>Our employment, unemployment definition as ABS’ </a:t>
+            </a:r>
+          </a:p>
+          <a:p>
+            <a:r>
+              <a:rPr lang="en-AU" sz="2800" dirty="0">
+                <a:solidFill>
+                  <a:schemeClr val="bg1"/>
+                </a:solidFill>
+              </a:rPr>
+              <a:t>Employment = full_ time plus </a:t>
+            </a:r>
+            <a:r>
+              <a:rPr lang="en-AU" sz="2800" dirty="0" err="1">
+                <a:solidFill>
+                  <a:schemeClr val="bg1"/>
+                </a:solidFill>
+              </a:rPr>
+              <a:t>part_time</a:t>
+            </a:r>
+            <a:r>
+              <a:rPr lang="en-AU" sz="2800" dirty="0">
+                <a:solidFill>
+                  <a:schemeClr val="bg1"/>
+                </a:solidFill>
+              </a:rPr>
+              <a:t> jobs.</a:t>
+            </a:r>
+          </a:p>
+          <a:p>
+            <a:r>
+              <a:rPr lang="en-AU" sz="2800" dirty="0">
+                <a:solidFill>
+                  <a:schemeClr val="bg1"/>
+                </a:solidFill>
+              </a:rPr>
+              <a:t>Yearly change % take 2012</a:t>
+            </a:r>
+          </a:p>
+          <a:p>
+            <a:r>
+              <a:rPr lang="en-AU" sz="2800" dirty="0">
+                <a:solidFill>
+                  <a:schemeClr val="bg1"/>
+                </a:solidFill>
+              </a:rPr>
+              <a:t>as our base year.</a:t>
+            </a:r>
+          </a:p>
+        </p:txBody>
+      </p:sp>
+    </p:spTree>
+    <p:extLst>
+      <p:ext uri="{BB962C8B-B14F-4D97-AF65-F5344CB8AC3E}">
+        <p14:creationId xmlns:p14="http://schemas.microsoft.com/office/powerpoint/2010/main" val="132768973"/>
+      </p:ext>
+    </p:extLst>
+  </p:cSld>
+  <p:clrMapOvr>
+    <a:masterClrMapping/>
+  </p:clrMapOvr>
+</p:sld>
+</file>
+
+<file path=ppt/slides/slide4.xml><?xml version="1.0" encoding="utf-8"?>
+<p:sld xmlns:a="http://schemas.openxmlformats.org/drawingml/2006/main" xmlns:r="http://schemas.openxmlformats.org/officeDocument/2006/relationships" xmlns:p="http://schemas.openxmlformats.org/presentationml/2006/main">
+  <p:cSld>
+    <p:spTree>
+      <p:nvGrpSpPr>
+        <p:cNvPr id="1" name=""/>
+        <p:cNvGrpSpPr/>
+        <p:nvPr/>
+      </p:nvGrpSpPr>
+      <p:grpSpPr>
+        <a:xfrm>
+          <a:off x="0" y="0"/>
+          <a:ext cx="0" cy="0"/>
+          <a:chOff x="0" y="0"/>
+          <a:chExt cx="0" cy="0"/>
+        </a:xfrm>
+      </p:grpSpPr>
+      <p:sp>
+        <p:nvSpPr>
+          <p:cNvPr id="2" name="Title 1">
+            <a:extLst>
+              <a:ext uri="{FF2B5EF4-FFF2-40B4-BE49-F238E27FC236}">
+                <a16:creationId xmlns:a16="http://schemas.microsoft.com/office/drawing/2014/main" id="{EE505587-60B9-48DF-9078-6A619AF5EC7C}"/>
+              </a:ext>
+            </a:extLst>
+          </p:cNvPr>
+          <p:cNvSpPr>
+            <a:spLocks noGrp="1"/>
+          </p:cNvSpPr>
+          <p:nvPr>
+            <p:ph type="title"/>
+          </p:nvPr>
+        </p:nvSpPr>
+        <p:spPr/>
+        <p:txBody>
+          <a:bodyPr/>
+          <a:lstStyle/>
+          <a:p>
+            <a:r>
+              <a:rPr lang="en-AU" dirty="0"/>
+              <a:t>Charts &amp; Experiences</a:t>
+            </a:r>
+          </a:p>
+        </p:txBody>
+      </p:sp>
+      <p:pic>
+        <p:nvPicPr>
+          <p:cNvPr id="6" name="Content Placeholder 5" descr="Birds perched on power lines against blue sky">
+            <a:extLst>
+              <a:ext uri="{FF2B5EF4-FFF2-40B4-BE49-F238E27FC236}">
+                <a16:creationId xmlns:a16="http://schemas.microsoft.com/office/drawing/2014/main" id="{0A8F5449-E82E-438D-87E0-9731947ACBC5}"/>
+              </a:ext>
+            </a:extLst>
+          </p:cNvPr>
+          <p:cNvPicPr>
+            <a:picLocks noGrp="1" noChangeAspect="1"/>
+          </p:cNvPicPr>
+          <p:nvPr>
+            <p:ph sz="half" idx="1"/>
+          </p:nvPr>
+        </p:nvPicPr>
+        <p:blipFill>
+          <a:blip r:embed="rId2">
+            <a:extLst>
+              <a:ext uri="{28A0092B-C50C-407E-A947-70E740481C1C}">
+                <a14:useLocalDpi xmlns:a14="http://schemas.microsoft.com/office/drawing/2010/main" val="0"/>
+              </a:ext>
+            </a:extLst>
+          </a:blip>
+          <a:stretch>
+            <a:fillRect/>
+          </a:stretch>
+        </p:blipFill>
+        <p:spPr>
+          <a:xfrm>
+            <a:off x="914400" y="2273018"/>
+            <a:ext cx="4856163" cy="3229538"/>
+          </a:xfrm>
+        </p:spPr>
+      </p:pic>
+      <p:pic>
+        <p:nvPicPr>
+          <p:cNvPr id="9" name="Content Placeholder 8" descr="Person standing on top of a mountain">
+            <a:extLst>
+              <a:ext uri="{FF2B5EF4-FFF2-40B4-BE49-F238E27FC236}">
+                <a16:creationId xmlns:a16="http://schemas.microsoft.com/office/drawing/2014/main" id="{F917D673-32F1-400B-AEBE-CA6F202678BC}"/>
+              </a:ext>
+            </a:extLst>
+          </p:cNvPr>
+          <p:cNvPicPr>
+            <a:picLocks noGrp="1" noChangeAspect="1"/>
+          </p:cNvPicPr>
+          <p:nvPr>
+            <p:ph sz="half" idx="2"/>
+          </p:nvPr>
+        </p:nvPicPr>
+        <p:blipFill>
+          <a:blip r:embed="rId3">
+            <a:extLst>
+              <a:ext uri="{28A0092B-C50C-407E-A947-70E740481C1C}">
+                <a14:useLocalDpi xmlns:a14="http://schemas.microsoft.com/office/drawing/2010/main" val="0"/>
+              </a:ext>
+            </a:extLst>
+          </a:blip>
+          <a:stretch>
+            <a:fillRect/>
+          </a:stretch>
+        </p:blipFill>
+        <p:spPr>
+          <a:xfrm>
+            <a:off x="6410325" y="2266561"/>
+            <a:ext cx="4857750" cy="3242453"/>
+          </a:xfrm>
+        </p:spPr>
+      </p:pic>
+      <p:sp>
+        <p:nvSpPr>
+          <p:cNvPr id="7" name="TextBox 6">
+            <a:extLst>
+              <a:ext uri="{FF2B5EF4-FFF2-40B4-BE49-F238E27FC236}">
+                <a16:creationId xmlns:a16="http://schemas.microsoft.com/office/drawing/2014/main" id="{2135912F-A505-4C7E-81AC-F403F3E087B6}"/>
+              </a:ext>
+            </a:extLst>
+          </p:cNvPr>
+          <p:cNvSpPr txBox="1"/>
+          <p:nvPr/>
+        </p:nvSpPr>
+        <p:spPr>
+          <a:xfrm>
+            <a:off x="1322363" y="2771335"/>
+            <a:ext cx="3967089" cy="2677656"/>
+          </a:xfrm>
+          <a:prstGeom prst="rect">
+            <a:avLst/>
+          </a:prstGeom>
+          <a:noFill/>
+        </p:spPr>
+        <p:txBody>
+          <a:bodyPr wrap="square" rtlCol="0">
+            <a:spAutoFit/>
+          </a:bodyPr>
+          <a:lstStyle/>
+          <a:p>
+            <a:r>
+              <a:rPr lang="en-AU" sz="2800" dirty="0">
+                <a:solidFill>
+                  <a:schemeClr val="bg1"/>
+                </a:solidFill>
+              </a:rPr>
+              <a:t>We have a lot of charts to show the results, however to save time we only present few of them, all others refer to results holder</a:t>
+            </a:r>
+          </a:p>
+        </p:txBody>
+      </p:sp>
+      <p:sp>
+        <p:nvSpPr>
+          <p:cNvPr id="4" name="TextBox 3">
+            <a:extLst>
+              <a:ext uri="{FF2B5EF4-FFF2-40B4-BE49-F238E27FC236}">
+                <a16:creationId xmlns:a16="http://schemas.microsoft.com/office/drawing/2014/main" id="{37725FD8-E16E-4F2F-9A9B-378D44A259F0}"/>
+              </a:ext>
+            </a:extLst>
+          </p:cNvPr>
+          <p:cNvSpPr txBox="1"/>
+          <p:nvPr/>
+        </p:nvSpPr>
+        <p:spPr>
+          <a:xfrm>
+            <a:off x="6633377" y="2597426"/>
+            <a:ext cx="4392432" cy="2554545"/>
+          </a:xfrm>
+          <a:prstGeom prst="rect">
+            <a:avLst/>
+          </a:prstGeom>
+          <a:noFill/>
+        </p:spPr>
+        <p:txBody>
+          <a:bodyPr wrap="square" rtlCol="0">
+            <a:spAutoFit/>
+          </a:bodyPr>
+          <a:lstStyle/>
+          <a:p>
+            <a:r>
+              <a:rPr lang="en-AU" sz="2000" b="1" dirty="0">
+                <a:solidFill>
+                  <a:schemeClr val="bg1"/>
+                </a:solidFill>
+              </a:rPr>
+              <a:t>For teamwork, environment very important.</a:t>
+            </a:r>
+          </a:p>
+          <a:p>
+            <a:endParaRPr lang="en-AU" sz="2000" b="1" dirty="0">
+              <a:solidFill>
+                <a:schemeClr val="bg1"/>
+              </a:solidFill>
+            </a:endParaRPr>
+          </a:p>
+          <a:p>
+            <a:r>
+              <a:rPr lang="en-AU" sz="2000" b="1" dirty="0">
+                <a:solidFill>
+                  <a:schemeClr val="bg1"/>
+                </a:solidFill>
+              </a:rPr>
+              <a:t>Feeling the name of Variables/</a:t>
+            </a:r>
+            <a:r>
+              <a:rPr lang="en-AU" sz="2000" b="1" dirty="0" err="1">
+                <a:solidFill>
+                  <a:schemeClr val="bg1"/>
+                </a:solidFill>
+              </a:rPr>
+              <a:t>DataFrame</a:t>
+            </a:r>
+            <a:r>
+              <a:rPr lang="en-AU" sz="2000" b="1" dirty="0">
+                <a:solidFill>
+                  <a:schemeClr val="bg1"/>
+                </a:solidFill>
+              </a:rPr>
+              <a:t> etc have better has a established rules.</a:t>
+            </a:r>
+          </a:p>
+          <a:p>
+            <a:r>
+              <a:rPr lang="en-AU" sz="2000" b="1" dirty="0">
+                <a:solidFill>
+                  <a:schemeClr val="bg1"/>
+                </a:solidFill>
+              </a:rPr>
+              <a:t>How &amp; when to merge into main, should also have some regulations too.</a:t>
+            </a:r>
+          </a:p>
+        </p:txBody>
+      </p:sp>
+    </p:spTree>
+    <p:extLst>
+      <p:ext uri="{BB962C8B-B14F-4D97-AF65-F5344CB8AC3E}">
+        <p14:creationId xmlns:p14="http://schemas.microsoft.com/office/powerpoint/2010/main" val="3424018072"/>
+      </p:ext>
+    </p:extLst>
+  </p:cSld>
+  <p:clrMapOvr>
+    <a:masterClrMapping/>
+  </p:clrMapOvr>
+</p:sld>
+</file>
+
+<file path=ppt/slides/slide5.xml><?xml version="1.0" encoding="utf-8"?>
+<p:sld xmlns:a="http://schemas.openxmlformats.org/drawingml/2006/main" xmlns:r="http://schemas.openxmlformats.org/officeDocument/2006/relationships" xmlns:p="http://schemas.openxmlformats.org/presentationml/2006/main">
+  <p:cSld>
+    <p:spTree>
+      <p:nvGrpSpPr>
+        <p:cNvPr id="1" name=""/>
+        <p:cNvGrpSpPr/>
+        <p:nvPr/>
+      </p:nvGrpSpPr>
+      <p:grpSpPr>
+        <a:xfrm>
+          <a:off x="0" y="0"/>
+          <a:ext cx="0" cy="0"/>
+          <a:chOff x="0" y="0"/>
+          <a:chExt cx="0" cy="0"/>
+        </a:xfrm>
+      </p:grpSpPr>
+      <p:pic>
+        <p:nvPicPr>
+          <p:cNvPr id="3" name="Picture 2" descr="A crowd of people&#10;&#10;Description automatically generated">
+            <a:extLst>
+              <a:ext uri="{FF2B5EF4-FFF2-40B4-BE49-F238E27FC236}">
+                <a16:creationId xmlns:a16="http://schemas.microsoft.com/office/drawing/2014/main" id="{21A71C49-79BC-4920-8FCA-4ED573316432}"/>
+              </a:ext>
+            </a:extLst>
+          </p:cNvPr>
+          <p:cNvPicPr>
+            <a:picLocks noChangeAspect="1"/>
+          </p:cNvPicPr>
+          <p:nvPr/>
+        </p:nvPicPr>
+        <p:blipFill>
+          <a:blip r:embed="rId2">
+            <a:extLst>
+              <a:ext uri="{28A0092B-C50C-407E-A947-70E740481C1C}">
+                <a14:useLocalDpi xmlns:a14="http://schemas.microsoft.com/office/drawing/2010/main" val="0"/>
+              </a:ext>
+              <a:ext uri="{837473B0-CC2E-450A-ABE3-18F120FF3D39}">
+                <a1611:picAttrSrcUrl xmlns:a1611="http://schemas.microsoft.com/office/drawing/2016/11/main" r:id="rId3"/>
+              </a:ext>
+            </a:extLst>
+          </a:blip>
+          <a:stretch>
+            <a:fillRect/>
+          </a:stretch>
+        </p:blipFill>
+        <p:spPr>
+          <a:xfrm>
+            <a:off x="890778" y="0"/>
+            <a:ext cx="10410444" cy="6858000"/>
+          </a:xfrm>
+          <a:prstGeom prst="rect">
+            <a:avLst/>
+          </a:prstGeom>
+        </p:spPr>
+      </p:pic>
+      <p:sp>
+        <p:nvSpPr>
+          <p:cNvPr id="4" name="TextBox 3">
+            <a:extLst>
+              <a:ext uri="{FF2B5EF4-FFF2-40B4-BE49-F238E27FC236}">
+                <a16:creationId xmlns:a16="http://schemas.microsoft.com/office/drawing/2014/main" id="{1C1348E8-008F-4EF0-84E1-C7319F3F5EB1}"/>
+              </a:ext>
+            </a:extLst>
+          </p:cNvPr>
+          <p:cNvSpPr txBox="1"/>
+          <p:nvPr/>
+        </p:nvSpPr>
+        <p:spPr>
+          <a:xfrm>
+            <a:off x="890778" y="6858000"/>
+            <a:ext cx="10410444" cy="230832"/>
+          </a:xfrm>
+          <a:prstGeom prst="rect">
+            <a:avLst/>
+          </a:prstGeom>
+          <a:noFill/>
+        </p:spPr>
+        <p:txBody>
+          <a:bodyPr wrap="square" rtlCol="0">
+            <a:spAutoFit/>
+          </a:bodyPr>
+          <a:lstStyle/>
+          <a:p>
+            <a:r>
+              <a:rPr lang="en-AU" sz="900">
+                <a:hlinkClick r:id="rId3" tooltip="https://www.enliveningedge.org/views/networks-organisations-movements/"/>
+              </a:rPr>
+              <a:t>This Photo</a:t>
+            </a:r>
+            <a:r>
+              <a:rPr lang="en-AU" sz="900"/>
+              <a:t> by Unknown Author is licensed under </a:t>
+            </a:r>
+            <a:r>
+              <a:rPr lang="en-AU" sz="900">
+                <a:hlinkClick r:id="rId4" tooltip="https://creativecommons.org/licenses/by/3.0/"/>
+              </a:rPr>
+              <a:t>CC BY</a:t>
+            </a:r>
+            <a:endParaRPr lang="en-AU" sz="900"/>
+          </a:p>
+        </p:txBody>
+      </p:sp>
+      <p:sp>
+        <p:nvSpPr>
+          <p:cNvPr id="5" name="TextBox 4">
+            <a:extLst>
+              <a:ext uri="{FF2B5EF4-FFF2-40B4-BE49-F238E27FC236}">
+                <a16:creationId xmlns:a16="http://schemas.microsoft.com/office/drawing/2014/main" id="{24F1622A-F857-448D-A7A4-A6E6CDF52678}"/>
+              </a:ext>
+            </a:extLst>
+          </p:cNvPr>
+          <p:cNvSpPr txBox="1"/>
+          <p:nvPr/>
+        </p:nvSpPr>
+        <p:spPr>
+          <a:xfrm>
+            <a:off x="2425148" y="490330"/>
+            <a:ext cx="7354956" cy="1077218"/>
+          </a:xfrm>
+          <a:prstGeom prst="rect">
+            <a:avLst/>
+          </a:prstGeom>
+          <a:noFill/>
+        </p:spPr>
+        <p:txBody>
+          <a:bodyPr wrap="square" rtlCol="0">
+            <a:spAutoFit/>
+          </a:bodyPr>
+          <a:lstStyle/>
+          <a:p>
+            <a:r>
+              <a:rPr lang="en-AU" sz="3200" dirty="0">
+                <a:highlight>
+                  <a:srgbClr val="000080"/>
+                </a:highlight>
+                <a:latin typeface="Arial Black" panose="020B0A04020102020204" pitchFamily="34" charset="0"/>
+              </a:rPr>
+              <a:t>Population vs Employment over National/States/Territories</a:t>
+            </a:r>
+          </a:p>
+        </p:txBody>
+      </p:sp>
+    </p:spTree>
+    <p:extLst>
+      <p:ext uri="{BB962C8B-B14F-4D97-AF65-F5344CB8AC3E}">
+        <p14:creationId xmlns:p14="http://schemas.microsoft.com/office/powerpoint/2010/main" val="3901376760"/>
+      </p:ext>
+    </p:extLst>
+  </p:cSld>
+  <p:clrMapOvr>
+    <a:masterClrMapping/>
+  </p:clrMapOvr>
+</p:sld>
+</file>
+
+<file path=ppt/slides/slide6.xml><?xml version="1.0" encoding="utf-8"?>
+<p:sld xmlns:a="http://schemas.openxmlformats.org/drawingml/2006/main" xmlns:r="http://schemas.openxmlformats.org/officeDocument/2006/relationships" xmlns:p="http://schemas.openxmlformats.org/presentationml/2006/main">
+  <p:cSld>
+    <p:spTree>
+      <p:nvGrpSpPr>
+        <p:cNvPr id="1" name=""/>
+        <p:cNvGrpSpPr/>
+        <p:nvPr/>
+      </p:nvGrpSpPr>
+      <p:grpSpPr>
+        <a:xfrm>
+          <a:off x="0" y="0"/>
+          <a:ext cx="0" cy="0"/>
+          <a:chOff x="0" y="0"/>
+          <a:chExt cx="0" cy="0"/>
+        </a:xfrm>
+      </p:grpSpPr>
+      <p:pic>
+        <p:nvPicPr>
+          <p:cNvPr id="3" name="Picture 2">
+            <a:extLst>
+              <a:ext uri="{FF2B5EF4-FFF2-40B4-BE49-F238E27FC236}">
+                <a16:creationId xmlns:a16="http://schemas.microsoft.com/office/drawing/2014/main" id="{60C28BAF-FA99-497E-BB71-32BE9ED69A01}"/>
+              </a:ext>
+            </a:extLst>
+          </p:cNvPr>
+          <p:cNvPicPr>
+            <a:picLocks noChangeAspect="1"/>
+          </p:cNvPicPr>
+          <p:nvPr/>
+        </p:nvPicPr>
+        <p:blipFill>
+          <a:blip r:embed="rId2"/>
+          <a:stretch>
+            <a:fillRect/>
+          </a:stretch>
+        </p:blipFill>
+        <p:spPr>
+          <a:xfrm>
+            <a:off x="1055077" y="8987"/>
+            <a:ext cx="10170941" cy="6849013"/>
+          </a:xfrm>
+          <a:prstGeom prst="rect">
+            <a:avLst/>
+          </a:prstGeom>
+        </p:spPr>
+      </p:pic>
+      <p:sp>
+        <p:nvSpPr>
+          <p:cNvPr id="4" name="TextBox 3">
+            <a:extLst>
+              <a:ext uri="{FF2B5EF4-FFF2-40B4-BE49-F238E27FC236}">
+                <a16:creationId xmlns:a16="http://schemas.microsoft.com/office/drawing/2014/main" id="{64214E93-152C-4541-AB0B-A31D5EC74927}"/>
+              </a:ext>
+            </a:extLst>
+          </p:cNvPr>
+          <p:cNvSpPr txBox="1"/>
+          <p:nvPr/>
+        </p:nvSpPr>
+        <p:spPr>
+          <a:xfrm>
+            <a:off x="5645426" y="1166191"/>
+            <a:ext cx="3458817" cy="400110"/>
+          </a:xfrm>
+          <a:prstGeom prst="rect">
+            <a:avLst/>
+          </a:prstGeom>
+          <a:noFill/>
+        </p:spPr>
+        <p:txBody>
+          <a:bodyPr wrap="square" rtlCol="0">
+            <a:spAutoFit/>
+          </a:bodyPr>
+          <a:lstStyle/>
+          <a:p>
+            <a:r>
+              <a:rPr lang="en-AU" sz="2000" dirty="0">
+                <a:solidFill>
+                  <a:schemeClr val="bg1"/>
+                </a:solidFill>
+                <a:latin typeface="Arial Black" panose="020B0A04020102020204" pitchFamily="34" charset="0"/>
+              </a:rPr>
+              <a:t>Period</a:t>
+            </a:r>
+            <a:r>
+              <a:rPr lang="en-AU" dirty="0">
+                <a:solidFill>
+                  <a:schemeClr val="bg1"/>
+                </a:solidFill>
+                <a:latin typeface="Arial Black" panose="020B0A04020102020204" pitchFamily="34" charset="0"/>
+              </a:rPr>
+              <a:t> 2012 -2018</a:t>
+            </a:r>
+          </a:p>
+        </p:txBody>
+      </p:sp>
+    </p:spTree>
+    <p:extLst>
+      <p:ext uri="{BB962C8B-B14F-4D97-AF65-F5344CB8AC3E}">
+        <p14:creationId xmlns:p14="http://schemas.microsoft.com/office/powerpoint/2010/main" val="3616442867"/>
+      </p:ext>
+    </p:extLst>
+  </p:cSld>
+  <p:clrMapOvr>
+    <a:masterClrMapping/>
+  </p:clrMapOvr>
+</p:sld>
+</file>
+
+<file path=ppt/slides/slide7.xml><?xml version="1.0" encoding="utf-8"?>
+<p:sld xmlns:a="http://schemas.openxmlformats.org/drawingml/2006/main" xmlns:r="http://schemas.openxmlformats.org/officeDocument/2006/relationships" xmlns:p="http://schemas.openxmlformats.org/presentationml/2006/main">
+  <p:cSld>
+    <p:spTree>
+      <p:nvGrpSpPr>
+        <p:cNvPr id="1" name=""/>
+        <p:cNvGrpSpPr/>
+        <p:nvPr/>
+      </p:nvGrpSpPr>
+      <p:grpSpPr>
+        <a:xfrm>
+          <a:off x="0" y="0"/>
+          <a:ext cx="0" cy="0"/>
+          <a:chOff x="0" y="0"/>
+          <a:chExt cx="0" cy="0"/>
+        </a:xfrm>
+      </p:grpSpPr>
+      <p:pic>
+        <p:nvPicPr>
+          <p:cNvPr id="2" name="Picture 1">
+            <a:extLst>
+              <a:ext uri="{FF2B5EF4-FFF2-40B4-BE49-F238E27FC236}">
+                <a16:creationId xmlns:a16="http://schemas.microsoft.com/office/drawing/2014/main" id="{2138A292-D541-43BB-B20E-C9FC8FE15464}"/>
+              </a:ext>
+            </a:extLst>
+          </p:cNvPr>
+          <p:cNvPicPr>
+            <a:picLocks noChangeAspect="1"/>
+          </p:cNvPicPr>
+          <p:nvPr/>
+        </p:nvPicPr>
+        <p:blipFill>
+          <a:blip r:embed="rId2"/>
+          <a:stretch>
+            <a:fillRect/>
+          </a:stretch>
+        </p:blipFill>
+        <p:spPr>
+          <a:xfrm>
+            <a:off x="942535" y="-391"/>
+            <a:ext cx="10297551" cy="6865034"/>
+          </a:xfrm>
+          <a:prstGeom prst="rect">
+            <a:avLst/>
+          </a:prstGeom>
+        </p:spPr>
+      </p:pic>
+      <p:sp>
+        <p:nvSpPr>
+          <p:cNvPr id="3" name="TextBox 2">
+            <a:extLst>
+              <a:ext uri="{FF2B5EF4-FFF2-40B4-BE49-F238E27FC236}">
+                <a16:creationId xmlns:a16="http://schemas.microsoft.com/office/drawing/2014/main" id="{C352A268-A4B3-420D-B9DC-70013C75AB80}"/>
+              </a:ext>
+            </a:extLst>
+          </p:cNvPr>
+          <p:cNvSpPr txBox="1"/>
+          <p:nvPr/>
+        </p:nvSpPr>
+        <p:spPr>
+          <a:xfrm>
+            <a:off x="6811617" y="3935896"/>
+            <a:ext cx="3246783" cy="1631216"/>
+          </a:xfrm>
+          <a:prstGeom prst="rect">
+            <a:avLst/>
+          </a:prstGeom>
+          <a:noFill/>
+        </p:spPr>
+        <p:txBody>
+          <a:bodyPr wrap="square" rtlCol="0">
+            <a:spAutoFit/>
+          </a:bodyPr>
+          <a:lstStyle/>
+          <a:p>
+            <a:r>
+              <a:rPr lang="en-AU" sz="2000" dirty="0">
+                <a:solidFill>
+                  <a:schemeClr val="bg1"/>
+                </a:solidFill>
+                <a:latin typeface="Arial Black" panose="020B0A04020102020204" pitchFamily="34" charset="0"/>
+              </a:rPr>
+              <a:t>Additional Charts for each state/territory available on request. Can be in any combination.</a:t>
+            </a:r>
+          </a:p>
+        </p:txBody>
+      </p:sp>
+    </p:spTree>
+    <p:extLst>
+      <p:ext uri="{BB962C8B-B14F-4D97-AF65-F5344CB8AC3E}">
+        <p14:creationId xmlns:p14="http://schemas.microsoft.com/office/powerpoint/2010/main" val="2066041193"/>
+      </p:ext>
+    </p:extLst>
+  </p:cSld>
+  <p:clrMapOvr>
+    <a:masterClrMapping/>
+  </p:clrMapOvr>
+</p:sld>
+</file>
+
+<file path=ppt/slides/slide8.xml><?xml version="1.0" encoding="utf-8"?>
+<p:sld xmlns:a="http://schemas.openxmlformats.org/drawingml/2006/main" xmlns:r="http://schemas.openxmlformats.org/officeDocument/2006/relationships" xmlns:p="http://schemas.openxmlformats.org/presentationml/2006/main">
+  <p:cSld>
+    <p:spTree>
+      <p:nvGrpSpPr>
+        <p:cNvPr id="1" name=""/>
+        <p:cNvGrpSpPr/>
+        <p:nvPr/>
+      </p:nvGrpSpPr>
+      <p:grpSpPr>
+        <a:xfrm>
+          <a:off x="0" y="0"/>
+          <a:ext cx="0" cy="0"/>
+          <a:chOff x="0" y="0"/>
+          <a:chExt cx="0" cy="0"/>
+        </a:xfrm>
+      </p:grpSpPr>
+      <p:sp>
+        <p:nvSpPr>
+          <p:cNvPr id="2" name="Title 1">
+            <a:extLst>
+              <a:ext uri="{FF2B5EF4-FFF2-40B4-BE49-F238E27FC236}">
+                <a16:creationId xmlns:a16="http://schemas.microsoft.com/office/drawing/2014/main" id="{178C0FA6-EBAD-4CF0-A3B1-D4CE89F65FC4}"/>
+              </a:ext>
+            </a:extLst>
+          </p:cNvPr>
+          <p:cNvSpPr>
+            <a:spLocks noGrp="1"/>
+          </p:cNvSpPr>
+          <p:nvPr>
+            <p:ph type="title"/>
+          </p:nvPr>
+        </p:nvSpPr>
+        <p:spPr>
+          <a:xfrm>
+            <a:off x="913795" y="609600"/>
+            <a:ext cx="10353762" cy="848139"/>
+          </a:xfrm>
+        </p:spPr>
+        <p:txBody>
+          <a:bodyPr>
+            <a:normAutofit fontScale="90000"/>
+          </a:bodyPr>
+          <a:lstStyle/>
+          <a:p>
+            <a:r>
+              <a:rPr lang="en-AU" b="1" dirty="0"/>
+              <a:t>Conclusions for pop/emp over National/States</a:t>
+            </a:r>
+          </a:p>
+        </p:txBody>
+      </p:sp>
+      <p:sp>
+        <p:nvSpPr>
+          <p:cNvPr id="3" name="TextBox 2">
+            <a:extLst>
+              <a:ext uri="{FF2B5EF4-FFF2-40B4-BE49-F238E27FC236}">
+                <a16:creationId xmlns:a16="http://schemas.microsoft.com/office/drawing/2014/main" id="{2A73937A-6ABB-432E-A989-0FB9CBFAD5D5}"/>
+              </a:ext>
+            </a:extLst>
+          </p:cNvPr>
+          <p:cNvSpPr txBox="1"/>
+          <p:nvPr/>
+        </p:nvSpPr>
+        <p:spPr>
+          <a:xfrm>
+            <a:off x="1179443" y="1866900"/>
+            <a:ext cx="10098762" cy="4801314"/>
+          </a:xfrm>
+          <a:prstGeom prst="rect">
+            <a:avLst/>
+          </a:prstGeom>
+          <a:noFill/>
+        </p:spPr>
+        <p:txBody>
+          <a:bodyPr wrap="square" rtlCol="0">
+            <a:spAutoFit/>
+          </a:bodyPr>
+          <a:lstStyle/>
+          <a:p>
+            <a:endParaRPr lang="en-AU" dirty="0">
+              <a:highlight>
+                <a:srgbClr val="0000FF"/>
+              </a:highlight>
+            </a:endParaRPr>
+          </a:p>
+          <a:p>
+            <a:pPr marL="342900" lvl="0" indent="-342900">
+              <a:buAutoNum type="arabicPeriod"/>
+            </a:pPr>
+            <a:r>
+              <a:rPr lang="en-AU" dirty="0">
+                <a:highlight>
+                  <a:srgbClr val="0000FF"/>
+                </a:highlight>
+              </a:rPr>
+              <a:t>National and every states/territories population average yearly positive increasing, with national level at 	1.25%, max Vic at 1.74%, and min Tas at 0.27%.</a:t>
+            </a:r>
+            <a:r>
+              <a:rPr lang="en-GB" dirty="0">
+                <a:highlight>
+                  <a:srgbClr val="0000FF"/>
+                </a:highlight>
+              </a:rPr>
+              <a:t> Within the whole country, population yearly 	average increase rate overpass that of employment.</a:t>
+            </a:r>
+            <a:endParaRPr lang="en-AU" dirty="0">
+              <a:highlight>
+                <a:srgbClr val="0000FF"/>
+              </a:highlight>
+            </a:endParaRPr>
+          </a:p>
+          <a:p>
+            <a:pPr marL="342900" lvl="0" indent="-342900">
+              <a:buAutoNum type="arabicPeriod"/>
+            </a:pPr>
+            <a:endParaRPr lang="en-AU" dirty="0">
+              <a:highlight>
+                <a:srgbClr val="0000FF"/>
+              </a:highlight>
+            </a:endParaRPr>
+          </a:p>
+          <a:p>
+            <a:pPr lvl="0"/>
+            <a:r>
+              <a:rPr lang="en-AU" dirty="0">
+                <a:highlight>
+                  <a:srgbClr val="0000FF"/>
+                </a:highlight>
+              </a:rPr>
+              <a:t>2.  Employment increasing every year in the whole country, the national level at 0.9%, max Vic at about   	1.4%, min SA at 0.04%.</a:t>
+            </a:r>
+          </a:p>
+          <a:p>
+            <a:pPr lvl="0"/>
+            <a:endParaRPr lang="en-AU" dirty="0">
+              <a:highlight>
+                <a:srgbClr val="0000FF"/>
+              </a:highlight>
+            </a:endParaRPr>
+          </a:p>
+          <a:p>
+            <a:pPr lvl="0"/>
+            <a:r>
+              <a:rPr lang="en-AU" dirty="0">
+                <a:highlight>
+                  <a:srgbClr val="0000FF"/>
+                </a:highlight>
+              </a:rPr>
+              <a:t>3.  From population vs employment correlation coefficient point of view, every states shown a very strong 	correlation effect (</a:t>
+            </a:r>
+            <a:r>
+              <a:rPr lang="en-AU" dirty="0" err="1">
+                <a:highlight>
+                  <a:srgbClr val="0000FF"/>
+                </a:highlight>
+              </a:rPr>
+              <a:t>corr</a:t>
+            </a:r>
+            <a:r>
+              <a:rPr lang="en-AU" dirty="0">
+                <a:highlight>
+                  <a:srgbClr val="0000FF"/>
+                </a:highlight>
+              </a:rPr>
+              <a:t> = 0.8 - 0.99), except WA and NT with coefficient values at 0.55 and 0.65 	respectively.</a:t>
+            </a:r>
+          </a:p>
+          <a:p>
+            <a:pPr lvl="0"/>
+            <a:endParaRPr lang="en-AU" dirty="0">
+              <a:highlight>
+                <a:srgbClr val="0000FF"/>
+              </a:highlight>
+            </a:endParaRPr>
+          </a:p>
+          <a:p>
+            <a:pPr marL="342900" lvl="0" indent="-342900">
+              <a:buAutoNum type="arabicPeriod" startAt="4"/>
+            </a:pPr>
+            <a:r>
+              <a:rPr lang="en-AU" dirty="0">
+                <a:highlight>
+                  <a:srgbClr val="0000FF"/>
+                </a:highlight>
+              </a:rPr>
+              <a:t>Contrary to any other state, TAS’s average employment change rate 50% higher than its population 	increase rate, means where easy to find job? </a:t>
+            </a:r>
+            <a:r>
+              <a:rPr lang="en-GB" dirty="0">
+                <a:highlight>
+                  <a:srgbClr val="0000FF"/>
+                </a:highlight>
+              </a:rPr>
+              <a:t>The reasons need to be further investigated.</a:t>
+            </a:r>
+            <a:endParaRPr lang="en-AU" dirty="0">
+              <a:highlight>
+                <a:srgbClr val="0000FF"/>
+              </a:highlight>
+            </a:endParaRPr>
+          </a:p>
+          <a:p>
+            <a:pPr marL="342900" lvl="0" indent="-342900">
+              <a:buAutoNum type="arabicPeriod" startAt="4"/>
+            </a:pPr>
+            <a:endParaRPr lang="en-AU" dirty="0">
+              <a:highlight>
+                <a:srgbClr val="0000FF"/>
+              </a:highlight>
+            </a:endParaRPr>
+          </a:p>
+          <a:p>
+            <a:endParaRPr lang="en-AU" dirty="0">
+              <a:highlight>
+                <a:srgbClr val="0000FF"/>
+              </a:highlight>
+            </a:endParaRPr>
+          </a:p>
+          <a:p>
+            <a:pPr marL="342900" lvl="0" indent="-342900">
+              <a:buAutoNum type="arabicPeriod" startAt="4"/>
+            </a:pPr>
+            <a:endParaRPr lang="en-AU" dirty="0">
+              <a:highlight>
+                <a:srgbClr val="0000FF"/>
+              </a:highlight>
+            </a:endParaRPr>
+          </a:p>
+        </p:txBody>
+      </p:sp>
+    </p:spTree>
+    <p:extLst>
+      <p:ext uri="{BB962C8B-B14F-4D97-AF65-F5344CB8AC3E}">
+        <p14:creationId xmlns:p14="http://schemas.microsoft.com/office/powerpoint/2010/main" val="289799926"/>
+      </p:ext>
+    </p:extLst>
+  </p:cSld>
+  <p:clrMapOvr>
+    <a:masterClrMapping/>
+  </p:clrMapOvr>
+</p:sld>
+</file>
+
+<file path=ppt/slides/slide9.xml><?xml version="1.0" encoding="utf-8"?>
+<p:sld xmlns:a="http://schemas.openxmlformats.org/drawingml/2006/main" xmlns:r="http://schemas.openxmlformats.org/officeDocument/2006/relationships" xmlns:p="http://schemas.openxmlformats.org/presentationml/2006/main">
+  <p:cSld>
+    <p:spTree>
+      <p:nvGrpSpPr>
+        <p:cNvPr id="1" name=""/>
+        <p:cNvGrpSpPr/>
+        <p:nvPr/>
+      </p:nvGrpSpPr>
+      <p:grpSpPr>
+        <a:xfrm>
+          <a:off x="0" y="0"/>
+          <a:ext cx="0" cy="0"/>
+          <a:chOff x="0" y="0"/>
+          <a:chExt cx="0" cy="0"/>
+        </a:xfrm>
+      </p:grpSpPr>
+      <p:pic>
+        <p:nvPicPr>
+          <p:cNvPr id="2" name="Picture 1">
+            <a:extLst>
+              <a:ext uri="{FF2B5EF4-FFF2-40B4-BE49-F238E27FC236}">
+                <a16:creationId xmlns:a16="http://schemas.microsoft.com/office/drawing/2014/main" id="{3C4C5191-46A6-46B4-BB9E-5E373A8F5599}"/>
+              </a:ext>
+            </a:extLst>
+          </p:cNvPr>
+          <p:cNvPicPr>
+            <a:picLocks noChangeAspect="1"/>
+          </p:cNvPicPr>
+          <p:nvPr/>
+        </p:nvPicPr>
+        <p:blipFill>
+          <a:blip r:embed="rId2"/>
+          <a:stretch>
+            <a:fillRect/>
+          </a:stretch>
+        </p:blipFill>
+        <p:spPr>
+          <a:xfrm>
+            <a:off x="1" y="1"/>
+            <a:ext cx="12192000" cy="6858000"/>
+          </a:xfrm>
+          <a:prstGeom prst="rect">
+            <a:avLst/>
+          </a:prstGeom>
+        </p:spPr>
+      </p:pic>
+    </p:spTree>
+    <p:extLst>
+      <p:ext uri="{BB962C8B-B14F-4D97-AF65-F5344CB8AC3E}">
+        <p14:creationId xmlns:p14="http://schemas.microsoft.com/office/powerpoint/2010/main" val="2799998052"/>
       </p:ext>
     </p:extLst>
   </p:cSld>
